--- a/github.pptx
+++ b/github.pptx
@@ -130,7 +130,7 @@
           <p:cNvPr id="2" name="標題 1">
             <a:extLst>
               <a:ext uri="{FF2B5EF4-FFF2-40B4-BE49-F238E27FC236}">
-                <a16:creationId xmlns:a16="http://schemas.microsoft.com/office/drawing/2014/main" id="{9B44392B-A9DB-4E42-A255-60A695A14E08}"/>
+                <a16:creationId xmlns:a16="http://schemas.microsoft.com/office/drawing/2014/main" xmlns="" id="{9B44392B-A9DB-4E42-A255-60A695A14E08}"/>
               </a:ext>
             </a:extLst>
           </p:cNvPr>
@@ -167,7 +167,7 @@
           <p:cNvPr id="3" name="副標題 2">
             <a:extLst>
               <a:ext uri="{FF2B5EF4-FFF2-40B4-BE49-F238E27FC236}">
-                <a16:creationId xmlns:a16="http://schemas.microsoft.com/office/drawing/2014/main" id="{1369F4E4-65C5-435C-B037-E1AA4BACC906}"/>
+                <a16:creationId xmlns:a16="http://schemas.microsoft.com/office/drawing/2014/main" xmlns="" id="{1369F4E4-65C5-435C-B037-E1AA4BACC906}"/>
               </a:ext>
             </a:extLst>
           </p:cNvPr>
@@ -237,7 +237,7 @@
           <p:cNvPr id="4" name="日期版面配置區 3">
             <a:extLst>
               <a:ext uri="{FF2B5EF4-FFF2-40B4-BE49-F238E27FC236}">
-                <a16:creationId xmlns:a16="http://schemas.microsoft.com/office/drawing/2014/main" id="{C96BA088-5803-4FC9-A521-2E9A89886635}"/>
+                <a16:creationId xmlns:a16="http://schemas.microsoft.com/office/drawing/2014/main" xmlns="" id="{C96BA088-5803-4FC9-A521-2E9A89886635}"/>
               </a:ext>
             </a:extLst>
           </p:cNvPr>
@@ -255,7 +255,7 @@
           <a:p>
             <a:fld id="{455874E9-DA5F-45B4-AEAB-17A54CA9763B}" type="datetimeFigureOut">
               <a:rPr lang="zh-TW" altLang="en-US" smtClean="0"/>
-              <a:t>2022/3/12</a:t>
+              <a:t>2022/3/13</a:t>
             </a:fld>
             <a:endParaRPr lang="zh-TW" altLang="en-US"/>
           </a:p>
@@ -266,7 +266,7 @@
           <p:cNvPr id="5" name="頁尾版面配置區 4">
             <a:extLst>
               <a:ext uri="{FF2B5EF4-FFF2-40B4-BE49-F238E27FC236}">
-                <a16:creationId xmlns:a16="http://schemas.microsoft.com/office/drawing/2014/main" id="{BB98CF3F-FF92-4CB2-8BCF-1447AD22A13F}"/>
+                <a16:creationId xmlns:a16="http://schemas.microsoft.com/office/drawing/2014/main" xmlns="" id="{BB98CF3F-FF92-4CB2-8BCF-1447AD22A13F}"/>
               </a:ext>
             </a:extLst>
           </p:cNvPr>
@@ -291,7 +291,7 @@
           <p:cNvPr id="6" name="投影片編號版面配置區 5">
             <a:extLst>
               <a:ext uri="{FF2B5EF4-FFF2-40B4-BE49-F238E27FC236}">
-                <a16:creationId xmlns:a16="http://schemas.microsoft.com/office/drawing/2014/main" id="{AF38A66E-A6CF-4AAF-9A5C-15785B159E78}"/>
+                <a16:creationId xmlns:a16="http://schemas.microsoft.com/office/drawing/2014/main" xmlns="" id="{AF38A66E-A6CF-4AAF-9A5C-15785B159E78}"/>
               </a:ext>
             </a:extLst>
           </p:cNvPr>
@@ -350,7 +350,7 @@
           <p:cNvPr id="2" name="標題 1">
             <a:extLst>
               <a:ext uri="{FF2B5EF4-FFF2-40B4-BE49-F238E27FC236}">
-                <a16:creationId xmlns:a16="http://schemas.microsoft.com/office/drawing/2014/main" id="{36E2EB44-E7FC-47ED-B464-A919BA15F131}"/>
+                <a16:creationId xmlns:a16="http://schemas.microsoft.com/office/drawing/2014/main" xmlns="" id="{36E2EB44-E7FC-47ED-B464-A919BA15F131}"/>
               </a:ext>
             </a:extLst>
           </p:cNvPr>
@@ -378,7 +378,7 @@
           <p:cNvPr id="3" name="直排文字版面配置區 2">
             <a:extLst>
               <a:ext uri="{FF2B5EF4-FFF2-40B4-BE49-F238E27FC236}">
-                <a16:creationId xmlns:a16="http://schemas.microsoft.com/office/drawing/2014/main" id="{D9871EB8-1870-4BFB-AB90-9262B1DCA2A7}"/>
+                <a16:creationId xmlns:a16="http://schemas.microsoft.com/office/drawing/2014/main" xmlns="" id="{D9871EB8-1870-4BFB-AB90-9262B1DCA2A7}"/>
               </a:ext>
             </a:extLst>
           </p:cNvPr>
@@ -435,7 +435,7 @@
           <p:cNvPr id="4" name="日期版面配置區 3">
             <a:extLst>
               <a:ext uri="{FF2B5EF4-FFF2-40B4-BE49-F238E27FC236}">
-                <a16:creationId xmlns:a16="http://schemas.microsoft.com/office/drawing/2014/main" id="{E818AFB1-8F9C-4216-BE6E-538D9FFCFD02}"/>
+                <a16:creationId xmlns:a16="http://schemas.microsoft.com/office/drawing/2014/main" xmlns="" id="{E818AFB1-8F9C-4216-BE6E-538D9FFCFD02}"/>
               </a:ext>
             </a:extLst>
           </p:cNvPr>
@@ -453,7 +453,7 @@
           <a:p>
             <a:fld id="{455874E9-DA5F-45B4-AEAB-17A54CA9763B}" type="datetimeFigureOut">
               <a:rPr lang="zh-TW" altLang="en-US" smtClean="0"/>
-              <a:t>2022/3/12</a:t>
+              <a:t>2022/3/13</a:t>
             </a:fld>
             <a:endParaRPr lang="zh-TW" altLang="en-US"/>
           </a:p>
@@ -464,7 +464,7 @@
           <p:cNvPr id="5" name="頁尾版面配置區 4">
             <a:extLst>
               <a:ext uri="{FF2B5EF4-FFF2-40B4-BE49-F238E27FC236}">
-                <a16:creationId xmlns:a16="http://schemas.microsoft.com/office/drawing/2014/main" id="{8885781D-A20A-4434-A789-3CD9377E597B}"/>
+                <a16:creationId xmlns:a16="http://schemas.microsoft.com/office/drawing/2014/main" xmlns="" id="{8885781D-A20A-4434-A789-3CD9377E597B}"/>
               </a:ext>
             </a:extLst>
           </p:cNvPr>
@@ -489,7 +489,7 @@
           <p:cNvPr id="6" name="投影片編號版面配置區 5">
             <a:extLst>
               <a:ext uri="{FF2B5EF4-FFF2-40B4-BE49-F238E27FC236}">
-                <a16:creationId xmlns:a16="http://schemas.microsoft.com/office/drawing/2014/main" id="{866012AE-CE2B-4797-B770-7C8F6E64BEC1}"/>
+                <a16:creationId xmlns:a16="http://schemas.microsoft.com/office/drawing/2014/main" xmlns="" id="{866012AE-CE2B-4797-B770-7C8F6E64BEC1}"/>
               </a:ext>
             </a:extLst>
           </p:cNvPr>
@@ -548,7 +548,7 @@
           <p:cNvPr id="2" name="直排標題 1">
             <a:extLst>
               <a:ext uri="{FF2B5EF4-FFF2-40B4-BE49-F238E27FC236}">
-                <a16:creationId xmlns:a16="http://schemas.microsoft.com/office/drawing/2014/main" id="{EF915AF9-9AF1-47EB-B9E2-35F470961C03}"/>
+                <a16:creationId xmlns:a16="http://schemas.microsoft.com/office/drawing/2014/main" xmlns="" id="{EF915AF9-9AF1-47EB-B9E2-35F470961C03}"/>
               </a:ext>
             </a:extLst>
           </p:cNvPr>
@@ -581,7 +581,7 @@
           <p:cNvPr id="3" name="直排文字版面配置區 2">
             <a:extLst>
               <a:ext uri="{FF2B5EF4-FFF2-40B4-BE49-F238E27FC236}">
-                <a16:creationId xmlns:a16="http://schemas.microsoft.com/office/drawing/2014/main" id="{B30A7B6E-E943-417F-B871-2F3FD92B220D}"/>
+                <a16:creationId xmlns:a16="http://schemas.microsoft.com/office/drawing/2014/main" xmlns="" id="{B30A7B6E-E943-417F-B871-2F3FD92B220D}"/>
               </a:ext>
             </a:extLst>
           </p:cNvPr>
@@ -643,7 +643,7 @@
           <p:cNvPr id="4" name="日期版面配置區 3">
             <a:extLst>
               <a:ext uri="{FF2B5EF4-FFF2-40B4-BE49-F238E27FC236}">
-                <a16:creationId xmlns:a16="http://schemas.microsoft.com/office/drawing/2014/main" id="{B012FB5B-0354-4720-A581-DA2E70073135}"/>
+                <a16:creationId xmlns:a16="http://schemas.microsoft.com/office/drawing/2014/main" xmlns="" id="{B012FB5B-0354-4720-A581-DA2E70073135}"/>
               </a:ext>
             </a:extLst>
           </p:cNvPr>
@@ -661,7 +661,7 @@
           <a:p>
             <a:fld id="{455874E9-DA5F-45B4-AEAB-17A54CA9763B}" type="datetimeFigureOut">
               <a:rPr lang="zh-TW" altLang="en-US" smtClean="0"/>
-              <a:t>2022/3/12</a:t>
+              <a:t>2022/3/13</a:t>
             </a:fld>
             <a:endParaRPr lang="zh-TW" altLang="en-US"/>
           </a:p>
@@ -672,7 +672,7 @@
           <p:cNvPr id="5" name="頁尾版面配置區 4">
             <a:extLst>
               <a:ext uri="{FF2B5EF4-FFF2-40B4-BE49-F238E27FC236}">
-                <a16:creationId xmlns:a16="http://schemas.microsoft.com/office/drawing/2014/main" id="{465A44D3-DFE3-4001-AAA0-BA8368705058}"/>
+                <a16:creationId xmlns:a16="http://schemas.microsoft.com/office/drawing/2014/main" xmlns="" id="{465A44D3-DFE3-4001-AAA0-BA8368705058}"/>
               </a:ext>
             </a:extLst>
           </p:cNvPr>
@@ -697,7 +697,7 @@
           <p:cNvPr id="6" name="投影片編號版面配置區 5">
             <a:extLst>
               <a:ext uri="{FF2B5EF4-FFF2-40B4-BE49-F238E27FC236}">
-                <a16:creationId xmlns:a16="http://schemas.microsoft.com/office/drawing/2014/main" id="{36B7C9FA-EEDC-4D50-9B0B-F346F7F053E1}"/>
+                <a16:creationId xmlns:a16="http://schemas.microsoft.com/office/drawing/2014/main" xmlns="" id="{36B7C9FA-EEDC-4D50-9B0B-F346F7F053E1}"/>
               </a:ext>
             </a:extLst>
           </p:cNvPr>
@@ -756,7 +756,7 @@
           <p:cNvPr id="2" name="標題 1">
             <a:extLst>
               <a:ext uri="{FF2B5EF4-FFF2-40B4-BE49-F238E27FC236}">
-                <a16:creationId xmlns:a16="http://schemas.microsoft.com/office/drawing/2014/main" id="{E3483501-D470-4D9F-962E-2DD277CBD7B9}"/>
+                <a16:creationId xmlns:a16="http://schemas.microsoft.com/office/drawing/2014/main" xmlns="" id="{E3483501-D470-4D9F-962E-2DD277CBD7B9}"/>
               </a:ext>
             </a:extLst>
           </p:cNvPr>
@@ -784,7 +784,7 @@
           <p:cNvPr id="3" name="內容版面配置區 2">
             <a:extLst>
               <a:ext uri="{FF2B5EF4-FFF2-40B4-BE49-F238E27FC236}">
-                <a16:creationId xmlns:a16="http://schemas.microsoft.com/office/drawing/2014/main" id="{4F7761E4-855B-41C0-8343-2FCAAD0CC189}"/>
+                <a16:creationId xmlns:a16="http://schemas.microsoft.com/office/drawing/2014/main" xmlns="" id="{4F7761E4-855B-41C0-8343-2FCAAD0CC189}"/>
               </a:ext>
             </a:extLst>
           </p:cNvPr>
@@ -841,7 +841,7 @@
           <p:cNvPr id="4" name="日期版面配置區 3">
             <a:extLst>
               <a:ext uri="{FF2B5EF4-FFF2-40B4-BE49-F238E27FC236}">
-                <a16:creationId xmlns:a16="http://schemas.microsoft.com/office/drawing/2014/main" id="{C49A474D-61AE-4E2E-B75E-5FC6FB7075F5}"/>
+                <a16:creationId xmlns:a16="http://schemas.microsoft.com/office/drawing/2014/main" xmlns="" id="{C49A474D-61AE-4E2E-B75E-5FC6FB7075F5}"/>
               </a:ext>
             </a:extLst>
           </p:cNvPr>
@@ -859,7 +859,7 @@
           <a:p>
             <a:fld id="{455874E9-DA5F-45B4-AEAB-17A54CA9763B}" type="datetimeFigureOut">
               <a:rPr lang="zh-TW" altLang="en-US" smtClean="0"/>
-              <a:t>2022/3/12</a:t>
+              <a:t>2022/3/13</a:t>
             </a:fld>
             <a:endParaRPr lang="zh-TW" altLang="en-US"/>
           </a:p>
@@ -870,7 +870,7 @@
           <p:cNvPr id="5" name="頁尾版面配置區 4">
             <a:extLst>
               <a:ext uri="{FF2B5EF4-FFF2-40B4-BE49-F238E27FC236}">
-                <a16:creationId xmlns:a16="http://schemas.microsoft.com/office/drawing/2014/main" id="{41E5F3ED-E5FD-400C-A1BB-C94D99648F3C}"/>
+                <a16:creationId xmlns:a16="http://schemas.microsoft.com/office/drawing/2014/main" xmlns="" id="{41E5F3ED-E5FD-400C-A1BB-C94D99648F3C}"/>
               </a:ext>
             </a:extLst>
           </p:cNvPr>
@@ -895,7 +895,7 @@
           <p:cNvPr id="6" name="投影片編號版面配置區 5">
             <a:extLst>
               <a:ext uri="{FF2B5EF4-FFF2-40B4-BE49-F238E27FC236}">
-                <a16:creationId xmlns:a16="http://schemas.microsoft.com/office/drawing/2014/main" id="{6101569B-D8C9-4D73-92C4-6659B1A1FD07}"/>
+                <a16:creationId xmlns:a16="http://schemas.microsoft.com/office/drawing/2014/main" xmlns="" id="{6101569B-D8C9-4D73-92C4-6659B1A1FD07}"/>
               </a:ext>
             </a:extLst>
           </p:cNvPr>
@@ -954,7 +954,7 @@
           <p:cNvPr id="2" name="標題 1">
             <a:extLst>
               <a:ext uri="{FF2B5EF4-FFF2-40B4-BE49-F238E27FC236}">
-                <a16:creationId xmlns:a16="http://schemas.microsoft.com/office/drawing/2014/main" id="{546855B2-941F-4B70-AFFD-E7A888B95BF0}"/>
+                <a16:creationId xmlns:a16="http://schemas.microsoft.com/office/drawing/2014/main" xmlns="" id="{546855B2-941F-4B70-AFFD-E7A888B95BF0}"/>
               </a:ext>
             </a:extLst>
           </p:cNvPr>
@@ -991,7 +991,7 @@
           <p:cNvPr id="3" name="文字版面配置區 2">
             <a:extLst>
               <a:ext uri="{FF2B5EF4-FFF2-40B4-BE49-F238E27FC236}">
-                <a16:creationId xmlns:a16="http://schemas.microsoft.com/office/drawing/2014/main" id="{97DA89A1-09C7-457F-BE4B-72F30FA1F6D5}"/>
+                <a16:creationId xmlns:a16="http://schemas.microsoft.com/office/drawing/2014/main" xmlns="" id="{97DA89A1-09C7-457F-BE4B-72F30FA1F6D5}"/>
               </a:ext>
             </a:extLst>
           </p:cNvPr>
@@ -1116,7 +1116,7 @@
           <p:cNvPr id="4" name="日期版面配置區 3">
             <a:extLst>
               <a:ext uri="{FF2B5EF4-FFF2-40B4-BE49-F238E27FC236}">
-                <a16:creationId xmlns:a16="http://schemas.microsoft.com/office/drawing/2014/main" id="{5BCA83E5-49A2-489B-B966-7C8A01D8E09D}"/>
+                <a16:creationId xmlns:a16="http://schemas.microsoft.com/office/drawing/2014/main" xmlns="" id="{5BCA83E5-49A2-489B-B966-7C8A01D8E09D}"/>
               </a:ext>
             </a:extLst>
           </p:cNvPr>
@@ -1134,7 +1134,7 @@
           <a:p>
             <a:fld id="{455874E9-DA5F-45B4-AEAB-17A54CA9763B}" type="datetimeFigureOut">
               <a:rPr lang="zh-TW" altLang="en-US" smtClean="0"/>
-              <a:t>2022/3/12</a:t>
+              <a:t>2022/3/13</a:t>
             </a:fld>
             <a:endParaRPr lang="zh-TW" altLang="en-US"/>
           </a:p>
@@ -1145,7 +1145,7 @@
           <p:cNvPr id="5" name="頁尾版面配置區 4">
             <a:extLst>
               <a:ext uri="{FF2B5EF4-FFF2-40B4-BE49-F238E27FC236}">
-                <a16:creationId xmlns:a16="http://schemas.microsoft.com/office/drawing/2014/main" id="{C14A01F3-5833-465E-B692-9857B174CEAD}"/>
+                <a16:creationId xmlns:a16="http://schemas.microsoft.com/office/drawing/2014/main" xmlns="" id="{C14A01F3-5833-465E-B692-9857B174CEAD}"/>
               </a:ext>
             </a:extLst>
           </p:cNvPr>
@@ -1170,7 +1170,7 @@
           <p:cNvPr id="6" name="投影片編號版面配置區 5">
             <a:extLst>
               <a:ext uri="{FF2B5EF4-FFF2-40B4-BE49-F238E27FC236}">
-                <a16:creationId xmlns:a16="http://schemas.microsoft.com/office/drawing/2014/main" id="{FD27F3A7-E7F5-4AC9-B6AD-187B7F88E6DC}"/>
+                <a16:creationId xmlns:a16="http://schemas.microsoft.com/office/drawing/2014/main" xmlns="" id="{FD27F3A7-E7F5-4AC9-B6AD-187B7F88E6DC}"/>
               </a:ext>
             </a:extLst>
           </p:cNvPr>
@@ -1229,7 +1229,7 @@
           <p:cNvPr id="2" name="標題 1">
             <a:extLst>
               <a:ext uri="{FF2B5EF4-FFF2-40B4-BE49-F238E27FC236}">
-                <a16:creationId xmlns:a16="http://schemas.microsoft.com/office/drawing/2014/main" id="{E8677890-F89A-4AF1-AB93-15928353BEF2}"/>
+                <a16:creationId xmlns:a16="http://schemas.microsoft.com/office/drawing/2014/main" xmlns="" id="{E8677890-F89A-4AF1-AB93-15928353BEF2}"/>
               </a:ext>
             </a:extLst>
           </p:cNvPr>
@@ -1257,7 +1257,7 @@
           <p:cNvPr id="3" name="內容版面配置區 2">
             <a:extLst>
               <a:ext uri="{FF2B5EF4-FFF2-40B4-BE49-F238E27FC236}">
-                <a16:creationId xmlns:a16="http://schemas.microsoft.com/office/drawing/2014/main" id="{10A57A10-15E4-402E-B6C7-2AAC0EBF5FA6}"/>
+                <a16:creationId xmlns:a16="http://schemas.microsoft.com/office/drawing/2014/main" xmlns="" id="{10A57A10-15E4-402E-B6C7-2AAC0EBF5FA6}"/>
               </a:ext>
             </a:extLst>
           </p:cNvPr>
@@ -1319,7 +1319,7 @@
           <p:cNvPr id="4" name="內容版面配置區 3">
             <a:extLst>
               <a:ext uri="{FF2B5EF4-FFF2-40B4-BE49-F238E27FC236}">
-                <a16:creationId xmlns:a16="http://schemas.microsoft.com/office/drawing/2014/main" id="{3BB9C801-0468-47F5-BD79-C8B279F7106C}"/>
+                <a16:creationId xmlns:a16="http://schemas.microsoft.com/office/drawing/2014/main" xmlns="" id="{3BB9C801-0468-47F5-BD79-C8B279F7106C}"/>
               </a:ext>
             </a:extLst>
           </p:cNvPr>
@@ -1381,7 +1381,7 @@
           <p:cNvPr id="5" name="日期版面配置區 4">
             <a:extLst>
               <a:ext uri="{FF2B5EF4-FFF2-40B4-BE49-F238E27FC236}">
-                <a16:creationId xmlns:a16="http://schemas.microsoft.com/office/drawing/2014/main" id="{BD1C95C3-7D6D-4C20-B2E1-0E0E8BE3E07F}"/>
+                <a16:creationId xmlns:a16="http://schemas.microsoft.com/office/drawing/2014/main" xmlns="" id="{BD1C95C3-7D6D-4C20-B2E1-0E0E8BE3E07F}"/>
               </a:ext>
             </a:extLst>
           </p:cNvPr>
@@ -1399,7 +1399,7 @@
           <a:p>
             <a:fld id="{455874E9-DA5F-45B4-AEAB-17A54CA9763B}" type="datetimeFigureOut">
               <a:rPr lang="zh-TW" altLang="en-US" smtClean="0"/>
-              <a:t>2022/3/12</a:t>
+              <a:t>2022/3/13</a:t>
             </a:fld>
             <a:endParaRPr lang="zh-TW" altLang="en-US"/>
           </a:p>
@@ -1410,7 +1410,7 @@
           <p:cNvPr id="6" name="頁尾版面配置區 5">
             <a:extLst>
               <a:ext uri="{FF2B5EF4-FFF2-40B4-BE49-F238E27FC236}">
-                <a16:creationId xmlns:a16="http://schemas.microsoft.com/office/drawing/2014/main" id="{FF8BEF0A-C491-4B09-8D8A-DFCB327ECA1E}"/>
+                <a16:creationId xmlns:a16="http://schemas.microsoft.com/office/drawing/2014/main" xmlns="" id="{FF8BEF0A-C491-4B09-8D8A-DFCB327ECA1E}"/>
               </a:ext>
             </a:extLst>
           </p:cNvPr>
@@ -1435,7 +1435,7 @@
           <p:cNvPr id="7" name="投影片編號版面配置區 6">
             <a:extLst>
               <a:ext uri="{FF2B5EF4-FFF2-40B4-BE49-F238E27FC236}">
-                <a16:creationId xmlns:a16="http://schemas.microsoft.com/office/drawing/2014/main" id="{EBDEFC19-3FC4-468B-88E3-6F681939A2AD}"/>
+                <a16:creationId xmlns:a16="http://schemas.microsoft.com/office/drawing/2014/main" xmlns="" id="{EBDEFC19-3FC4-468B-88E3-6F681939A2AD}"/>
               </a:ext>
             </a:extLst>
           </p:cNvPr>
@@ -1494,7 +1494,7 @@
           <p:cNvPr id="2" name="標題 1">
             <a:extLst>
               <a:ext uri="{FF2B5EF4-FFF2-40B4-BE49-F238E27FC236}">
-                <a16:creationId xmlns:a16="http://schemas.microsoft.com/office/drawing/2014/main" id="{D86F7CBA-8C8A-418E-B55B-4014673E40EC}"/>
+                <a16:creationId xmlns:a16="http://schemas.microsoft.com/office/drawing/2014/main" xmlns="" id="{D86F7CBA-8C8A-418E-B55B-4014673E40EC}"/>
               </a:ext>
             </a:extLst>
           </p:cNvPr>
@@ -1527,7 +1527,7 @@
           <p:cNvPr id="3" name="文字版面配置區 2">
             <a:extLst>
               <a:ext uri="{FF2B5EF4-FFF2-40B4-BE49-F238E27FC236}">
-                <a16:creationId xmlns:a16="http://schemas.microsoft.com/office/drawing/2014/main" id="{87989F39-A45D-4806-B0C7-E19217129F5A}"/>
+                <a16:creationId xmlns:a16="http://schemas.microsoft.com/office/drawing/2014/main" xmlns="" id="{87989F39-A45D-4806-B0C7-E19217129F5A}"/>
               </a:ext>
             </a:extLst>
           </p:cNvPr>
@@ -1598,7 +1598,7 @@
           <p:cNvPr id="4" name="內容版面配置區 3">
             <a:extLst>
               <a:ext uri="{FF2B5EF4-FFF2-40B4-BE49-F238E27FC236}">
-                <a16:creationId xmlns:a16="http://schemas.microsoft.com/office/drawing/2014/main" id="{A4DF19C7-78BC-4C36-9281-9987687D7A10}"/>
+                <a16:creationId xmlns:a16="http://schemas.microsoft.com/office/drawing/2014/main" xmlns="" id="{A4DF19C7-78BC-4C36-9281-9987687D7A10}"/>
               </a:ext>
             </a:extLst>
           </p:cNvPr>
@@ -1660,7 +1660,7 @@
           <p:cNvPr id="5" name="文字版面配置區 4">
             <a:extLst>
               <a:ext uri="{FF2B5EF4-FFF2-40B4-BE49-F238E27FC236}">
-                <a16:creationId xmlns:a16="http://schemas.microsoft.com/office/drawing/2014/main" id="{B975CE63-43D1-4C19-9872-C475DAB914DB}"/>
+                <a16:creationId xmlns:a16="http://schemas.microsoft.com/office/drawing/2014/main" xmlns="" id="{B975CE63-43D1-4C19-9872-C475DAB914DB}"/>
               </a:ext>
             </a:extLst>
           </p:cNvPr>
@@ -1731,7 +1731,7 @@
           <p:cNvPr id="6" name="內容版面配置區 5">
             <a:extLst>
               <a:ext uri="{FF2B5EF4-FFF2-40B4-BE49-F238E27FC236}">
-                <a16:creationId xmlns:a16="http://schemas.microsoft.com/office/drawing/2014/main" id="{6B821486-669A-4FDA-97D6-888F309A88FB}"/>
+                <a16:creationId xmlns:a16="http://schemas.microsoft.com/office/drawing/2014/main" xmlns="" id="{6B821486-669A-4FDA-97D6-888F309A88FB}"/>
               </a:ext>
             </a:extLst>
           </p:cNvPr>
@@ -1793,7 +1793,7 @@
           <p:cNvPr id="7" name="日期版面配置區 6">
             <a:extLst>
               <a:ext uri="{FF2B5EF4-FFF2-40B4-BE49-F238E27FC236}">
-                <a16:creationId xmlns:a16="http://schemas.microsoft.com/office/drawing/2014/main" id="{59FF7FFE-DBE0-40C8-B341-92AD1038A5FD}"/>
+                <a16:creationId xmlns:a16="http://schemas.microsoft.com/office/drawing/2014/main" xmlns="" id="{59FF7FFE-DBE0-40C8-B341-92AD1038A5FD}"/>
               </a:ext>
             </a:extLst>
           </p:cNvPr>
@@ -1811,7 +1811,7 @@
           <a:p>
             <a:fld id="{455874E9-DA5F-45B4-AEAB-17A54CA9763B}" type="datetimeFigureOut">
               <a:rPr lang="zh-TW" altLang="en-US" smtClean="0"/>
-              <a:t>2022/3/12</a:t>
+              <a:t>2022/3/13</a:t>
             </a:fld>
             <a:endParaRPr lang="zh-TW" altLang="en-US"/>
           </a:p>
@@ -1822,7 +1822,7 @@
           <p:cNvPr id="8" name="頁尾版面配置區 7">
             <a:extLst>
               <a:ext uri="{FF2B5EF4-FFF2-40B4-BE49-F238E27FC236}">
-                <a16:creationId xmlns:a16="http://schemas.microsoft.com/office/drawing/2014/main" id="{2288AAEB-ADD2-47CE-B689-BE84FD480133}"/>
+                <a16:creationId xmlns:a16="http://schemas.microsoft.com/office/drawing/2014/main" xmlns="" id="{2288AAEB-ADD2-47CE-B689-BE84FD480133}"/>
               </a:ext>
             </a:extLst>
           </p:cNvPr>
@@ -1847,7 +1847,7 @@
           <p:cNvPr id="9" name="投影片編號版面配置區 8">
             <a:extLst>
               <a:ext uri="{FF2B5EF4-FFF2-40B4-BE49-F238E27FC236}">
-                <a16:creationId xmlns:a16="http://schemas.microsoft.com/office/drawing/2014/main" id="{CCB8A2D5-01F1-4902-82F0-EF8FFAC2F07C}"/>
+                <a16:creationId xmlns:a16="http://schemas.microsoft.com/office/drawing/2014/main" xmlns="" id="{CCB8A2D5-01F1-4902-82F0-EF8FFAC2F07C}"/>
               </a:ext>
             </a:extLst>
           </p:cNvPr>
@@ -1906,7 +1906,7 @@
           <p:cNvPr id="2" name="標題 1">
             <a:extLst>
               <a:ext uri="{FF2B5EF4-FFF2-40B4-BE49-F238E27FC236}">
-                <a16:creationId xmlns:a16="http://schemas.microsoft.com/office/drawing/2014/main" id="{5B523180-5ED5-4B84-8352-55F3012EDE96}"/>
+                <a16:creationId xmlns:a16="http://schemas.microsoft.com/office/drawing/2014/main" xmlns="" id="{5B523180-5ED5-4B84-8352-55F3012EDE96}"/>
               </a:ext>
             </a:extLst>
           </p:cNvPr>
@@ -1934,7 +1934,7 @@
           <p:cNvPr id="3" name="日期版面配置區 2">
             <a:extLst>
               <a:ext uri="{FF2B5EF4-FFF2-40B4-BE49-F238E27FC236}">
-                <a16:creationId xmlns:a16="http://schemas.microsoft.com/office/drawing/2014/main" id="{C7C1F44D-0DDE-4D0E-8564-62828F1DA982}"/>
+                <a16:creationId xmlns:a16="http://schemas.microsoft.com/office/drawing/2014/main" xmlns="" id="{C7C1F44D-0DDE-4D0E-8564-62828F1DA982}"/>
               </a:ext>
             </a:extLst>
           </p:cNvPr>
@@ -1952,7 +1952,7 @@
           <a:p>
             <a:fld id="{455874E9-DA5F-45B4-AEAB-17A54CA9763B}" type="datetimeFigureOut">
               <a:rPr lang="zh-TW" altLang="en-US" smtClean="0"/>
-              <a:t>2022/3/12</a:t>
+              <a:t>2022/3/13</a:t>
             </a:fld>
             <a:endParaRPr lang="zh-TW" altLang="en-US"/>
           </a:p>
@@ -1963,7 +1963,7 @@
           <p:cNvPr id="4" name="頁尾版面配置區 3">
             <a:extLst>
               <a:ext uri="{FF2B5EF4-FFF2-40B4-BE49-F238E27FC236}">
-                <a16:creationId xmlns:a16="http://schemas.microsoft.com/office/drawing/2014/main" id="{0F598160-CD9C-44F8-86A6-A1438E32F22C}"/>
+                <a16:creationId xmlns:a16="http://schemas.microsoft.com/office/drawing/2014/main" xmlns="" id="{0F598160-CD9C-44F8-86A6-A1438E32F22C}"/>
               </a:ext>
             </a:extLst>
           </p:cNvPr>
@@ -1988,7 +1988,7 @@
           <p:cNvPr id="5" name="投影片編號版面配置區 4">
             <a:extLst>
               <a:ext uri="{FF2B5EF4-FFF2-40B4-BE49-F238E27FC236}">
-                <a16:creationId xmlns:a16="http://schemas.microsoft.com/office/drawing/2014/main" id="{32AE6FC2-9DA5-48E7-98B1-BFDFA1991785}"/>
+                <a16:creationId xmlns:a16="http://schemas.microsoft.com/office/drawing/2014/main" xmlns="" id="{32AE6FC2-9DA5-48E7-98B1-BFDFA1991785}"/>
               </a:ext>
             </a:extLst>
           </p:cNvPr>
@@ -2047,7 +2047,7 @@
           <p:cNvPr id="2" name="日期版面配置區 1">
             <a:extLst>
               <a:ext uri="{FF2B5EF4-FFF2-40B4-BE49-F238E27FC236}">
-                <a16:creationId xmlns:a16="http://schemas.microsoft.com/office/drawing/2014/main" id="{987CC273-33BA-43D8-9D53-0CF0466014AD}"/>
+                <a16:creationId xmlns:a16="http://schemas.microsoft.com/office/drawing/2014/main" xmlns="" id="{987CC273-33BA-43D8-9D53-0CF0466014AD}"/>
               </a:ext>
             </a:extLst>
           </p:cNvPr>
@@ -2065,7 +2065,7 @@
           <a:p>
             <a:fld id="{455874E9-DA5F-45B4-AEAB-17A54CA9763B}" type="datetimeFigureOut">
               <a:rPr lang="zh-TW" altLang="en-US" smtClean="0"/>
-              <a:t>2022/3/12</a:t>
+              <a:t>2022/3/13</a:t>
             </a:fld>
             <a:endParaRPr lang="zh-TW" altLang="en-US"/>
           </a:p>
@@ -2076,7 +2076,7 @@
           <p:cNvPr id="3" name="頁尾版面配置區 2">
             <a:extLst>
               <a:ext uri="{FF2B5EF4-FFF2-40B4-BE49-F238E27FC236}">
-                <a16:creationId xmlns:a16="http://schemas.microsoft.com/office/drawing/2014/main" id="{202AA3AC-14C1-42E7-954F-9A9ED5D45D08}"/>
+                <a16:creationId xmlns:a16="http://schemas.microsoft.com/office/drawing/2014/main" xmlns="" id="{202AA3AC-14C1-42E7-954F-9A9ED5D45D08}"/>
               </a:ext>
             </a:extLst>
           </p:cNvPr>
@@ -2101,7 +2101,7 @@
           <p:cNvPr id="4" name="投影片編號版面配置區 3">
             <a:extLst>
               <a:ext uri="{FF2B5EF4-FFF2-40B4-BE49-F238E27FC236}">
-                <a16:creationId xmlns:a16="http://schemas.microsoft.com/office/drawing/2014/main" id="{162C3F81-FB8D-4E96-B0B1-06826CB983ED}"/>
+                <a16:creationId xmlns:a16="http://schemas.microsoft.com/office/drawing/2014/main" xmlns="" id="{162C3F81-FB8D-4E96-B0B1-06826CB983ED}"/>
               </a:ext>
             </a:extLst>
           </p:cNvPr>
@@ -2160,7 +2160,7 @@
           <p:cNvPr id="2" name="標題 1">
             <a:extLst>
               <a:ext uri="{FF2B5EF4-FFF2-40B4-BE49-F238E27FC236}">
-                <a16:creationId xmlns:a16="http://schemas.microsoft.com/office/drawing/2014/main" id="{77B9C532-C916-4F42-AF44-DE9B915ED47D}"/>
+                <a16:creationId xmlns:a16="http://schemas.microsoft.com/office/drawing/2014/main" xmlns="" id="{77B9C532-C916-4F42-AF44-DE9B915ED47D}"/>
               </a:ext>
             </a:extLst>
           </p:cNvPr>
@@ -2197,7 +2197,7 @@
           <p:cNvPr id="3" name="內容版面配置區 2">
             <a:extLst>
               <a:ext uri="{FF2B5EF4-FFF2-40B4-BE49-F238E27FC236}">
-                <a16:creationId xmlns:a16="http://schemas.microsoft.com/office/drawing/2014/main" id="{EB9E12AC-B17D-4C4B-B987-345DE423E556}"/>
+                <a16:creationId xmlns:a16="http://schemas.microsoft.com/office/drawing/2014/main" xmlns="" id="{EB9E12AC-B17D-4C4B-B987-345DE423E556}"/>
               </a:ext>
             </a:extLst>
           </p:cNvPr>
@@ -2287,7 +2287,7 @@
           <p:cNvPr id="4" name="文字版面配置區 3">
             <a:extLst>
               <a:ext uri="{FF2B5EF4-FFF2-40B4-BE49-F238E27FC236}">
-                <a16:creationId xmlns:a16="http://schemas.microsoft.com/office/drawing/2014/main" id="{F3B5B8EE-B131-4372-AA5D-2AF344377AF4}"/>
+                <a16:creationId xmlns:a16="http://schemas.microsoft.com/office/drawing/2014/main" xmlns="" id="{F3B5B8EE-B131-4372-AA5D-2AF344377AF4}"/>
               </a:ext>
             </a:extLst>
           </p:cNvPr>
@@ -2358,7 +2358,7 @@
           <p:cNvPr id="5" name="日期版面配置區 4">
             <a:extLst>
               <a:ext uri="{FF2B5EF4-FFF2-40B4-BE49-F238E27FC236}">
-                <a16:creationId xmlns:a16="http://schemas.microsoft.com/office/drawing/2014/main" id="{5893DD5D-EC6C-4D80-BC62-0198C435FC5C}"/>
+                <a16:creationId xmlns:a16="http://schemas.microsoft.com/office/drawing/2014/main" xmlns="" id="{5893DD5D-EC6C-4D80-BC62-0198C435FC5C}"/>
               </a:ext>
             </a:extLst>
           </p:cNvPr>
@@ -2376,7 +2376,7 @@
           <a:p>
             <a:fld id="{455874E9-DA5F-45B4-AEAB-17A54CA9763B}" type="datetimeFigureOut">
               <a:rPr lang="zh-TW" altLang="en-US" smtClean="0"/>
-              <a:t>2022/3/12</a:t>
+              <a:t>2022/3/13</a:t>
             </a:fld>
             <a:endParaRPr lang="zh-TW" altLang="en-US"/>
           </a:p>
@@ -2387,7 +2387,7 @@
           <p:cNvPr id="6" name="頁尾版面配置區 5">
             <a:extLst>
               <a:ext uri="{FF2B5EF4-FFF2-40B4-BE49-F238E27FC236}">
-                <a16:creationId xmlns:a16="http://schemas.microsoft.com/office/drawing/2014/main" id="{266DF5CB-B8C7-4F9A-88B7-F16C6BC99391}"/>
+                <a16:creationId xmlns:a16="http://schemas.microsoft.com/office/drawing/2014/main" xmlns="" id="{266DF5CB-B8C7-4F9A-88B7-F16C6BC99391}"/>
               </a:ext>
             </a:extLst>
           </p:cNvPr>
@@ -2412,7 +2412,7 @@
           <p:cNvPr id="7" name="投影片編號版面配置區 6">
             <a:extLst>
               <a:ext uri="{FF2B5EF4-FFF2-40B4-BE49-F238E27FC236}">
-                <a16:creationId xmlns:a16="http://schemas.microsoft.com/office/drawing/2014/main" id="{09AE36D9-7309-41EE-A405-1B6451755725}"/>
+                <a16:creationId xmlns:a16="http://schemas.microsoft.com/office/drawing/2014/main" xmlns="" id="{09AE36D9-7309-41EE-A405-1B6451755725}"/>
               </a:ext>
             </a:extLst>
           </p:cNvPr>
@@ -2471,7 +2471,7 @@
           <p:cNvPr id="2" name="標題 1">
             <a:extLst>
               <a:ext uri="{FF2B5EF4-FFF2-40B4-BE49-F238E27FC236}">
-                <a16:creationId xmlns:a16="http://schemas.microsoft.com/office/drawing/2014/main" id="{7E352521-0B4C-4A63-AF7E-91DC3C3152D3}"/>
+                <a16:creationId xmlns:a16="http://schemas.microsoft.com/office/drawing/2014/main" xmlns="" id="{7E352521-0B4C-4A63-AF7E-91DC3C3152D3}"/>
               </a:ext>
             </a:extLst>
           </p:cNvPr>
@@ -2508,7 +2508,7 @@
           <p:cNvPr id="3" name="圖片版面配置區 2">
             <a:extLst>
               <a:ext uri="{FF2B5EF4-FFF2-40B4-BE49-F238E27FC236}">
-                <a16:creationId xmlns:a16="http://schemas.microsoft.com/office/drawing/2014/main" id="{C906825C-C61A-4A16-892B-8FBB10DA3A45}"/>
+                <a16:creationId xmlns:a16="http://schemas.microsoft.com/office/drawing/2014/main" xmlns="" id="{C906825C-C61A-4A16-892B-8FBB10DA3A45}"/>
               </a:ext>
             </a:extLst>
           </p:cNvPr>
@@ -2575,7 +2575,7 @@
           <p:cNvPr id="4" name="文字版面配置區 3">
             <a:extLst>
               <a:ext uri="{FF2B5EF4-FFF2-40B4-BE49-F238E27FC236}">
-                <a16:creationId xmlns:a16="http://schemas.microsoft.com/office/drawing/2014/main" id="{5EBD06D9-378E-46AC-A567-0C13C7AD23E3}"/>
+                <a16:creationId xmlns:a16="http://schemas.microsoft.com/office/drawing/2014/main" xmlns="" id="{5EBD06D9-378E-46AC-A567-0C13C7AD23E3}"/>
               </a:ext>
             </a:extLst>
           </p:cNvPr>
@@ -2646,7 +2646,7 @@
           <p:cNvPr id="5" name="日期版面配置區 4">
             <a:extLst>
               <a:ext uri="{FF2B5EF4-FFF2-40B4-BE49-F238E27FC236}">
-                <a16:creationId xmlns:a16="http://schemas.microsoft.com/office/drawing/2014/main" id="{FCE3525E-B230-4CA6-9349-02177D303519}"/>
+                <a16:creationId xmlns:a16="http://schemas.microsoft.com/office/drawing/2014/main" xmlns="" id="{FCE3525E-B230-4CA6-9349-02177D303519}"/>
               </a:ext>
             </a:extLst>
           </p:cNvPr>
@@ -2664,7 +2664,7 @@
           <a:p>
             <a:fld id="{455874E9-DA5F-45B4-AEAB-17A54CA9763B}" type="datetimeFigureOut">
               <a:rPr lang="zh-TW" altLang="en-US" smtClean="0"/>
-              <a:t>2022/3/12</a:t>
+              <a:t>2022/3/13</a:t>
             </a:fld>
             <a:endParaRPr lang="zh-TW" altLang="en-US"/>
           </a:p>
@@ -2675,7 +2675,7 @@
           <p:cNvPr id="6" name="頁尾版面配置區 5">
             <a:extLst>
               <a:ext uri="{FF2B5EF4-FFF2-40B4-BE49-F238E27FC236}">
-                <a16:creationId xmlns:a16="http://schemas.microsoft.com/office/drawing/2014/main" id="{5A29260B-2D64-4CF0-8705-F27FFBBFECBD}"/>
+                <a16:creationId xmlns:a16="http://schemas.microsoft.com/office/drawing/2014/main" xmlns="" id="{5A29260B-2D64-4CF0-8705-F27FFBBFECBD}"/>
               </a:ext>
             </a:extLst>
           </p:cNvPr>
@@ -2700,7 +2700,7 @@
           <p:cNvPr id="7" name="投影片編號版面配置區 6">
             <a:extLst>
               <a:ext uri="{FF2B5EF4-FFF2-40B4-BE49-F238E27FC236}">
-                <a16:creationId xmlns:a16="http://schemas.microsoft.com/office/drawing/2014/main" id="{B0825E54-713B-4D5E-AFDA-10C5F3245137}"/>
+                <a16:creationId xmlns:a16="http://schemas.microsoft.com/office/drawing/2014/main" xmlns="" id="{B0825E54-713B-4D5E-AFDA-10C5F3245137}"/>
               </a:ext>
             </a:extLst>
           </p:cNvPr>
@@ -2764,7 +2764,7 @@
           <p:cNvPr id="2" name="標題版面配置區 1">
             <a:extLst>
               <a:ext uri="{FF2B5EF4-FFF2-40B4-BE49-F238E27FC236}">
-                <a16:creationId xmlns:a16="http://schemas.microsoft.com/office/drawing/2014/main" id="{4BC793DC-F9F1-412B-87D5-30EF72871541}"/>
+                <a16:creationId xmlns:a16="http://schemas.microsoft.com/office/drawing/2014/main" xmlns="" id="{4BC793DC-F9F1-412B-87D5-30EF72871541}"/>
               </a:ext>
             </a:extLst>
           </p:cNvPr>
@@ -2802,7 +2802,7 @@
           <p:cNvPr id="3" name="文字版面配置區 2">
             <a:extLst>
               <a:ext uri="{FF2B5EF4-FFF2-40B4-BE49-F238E27FC236}">
-                <a16:creationId xmlns:a16="http://schemas.microsoft.com/office/drawing/2014/main" id="{089A6857-298B-440C-8797-54662750D2F0}"/>
+                <a16:creationId xmlns:a16="http://schemas.microsoft.com/office/drawing/2014/main" xmlns="" id="{089A6857-298B-440C-8797-54662750D2F0}"/>
               </a:ext>
             </a:extLst>
           </p:cNvPr>
@@ -2869,7 +2869,7 @@
           <p:cNvPr id="4" name="日期版面配置區 3">
             <a:extLst>
               <a:ext uri="{FF2B5EF4-FFF2-40B4-BE49-F238E27FC236}">
-                <a16:creationId xmlns:a16="http://schemas.microsoft.com/office/drawing/2014/main" id="{FB3C33D4-F54E-4E1F-8646-B08D80F13BF2}"/>
+                <a16:creationId xmlns:a16="http://schemas.microsoft.com/office/drawing/2014/main" xmlns="" id="{FB3C33D4-F54E-4E1F-8646-B08D80F13BF2}"/>
               </a:ext>
             </a:extLst>
           </p:cNvPr>
@@ -2905,7 +2905,7 @@
           <a:p>
             <a:fld id="{455874E9-DA5F-45B4-AEAB-17A54CA9763B}" type="datetimeFigureOut">
               <a:rPr lang="zh-TW" altLang="en-US" smtClean="0"/>
-              <a:t>2022/3/12</a:t>
+              <a:t>2022/3/13</a:t>
             </a:fld>
             <a:endParaRPr lang="zh-TW" altLang="en-US"/>
           </a:p>
@@ -2916,7 +2916,7 @@
           <p:cNvPr id="5" name="頁尾版面配置區 4">
             <a:extLst>
               <a:ext uri="{FF2B5EF4-FFF2-40B4-BE49-F238E27FC236}">
-                <a16:creationId xmlns:a16="http://schemas.microsoft.com/office/drawing/2014/main" id="{09B166B8-9352-4828-8B4A-DD789007BF2A}"/>
+                <a16:creationId xmlns:a16="http://schemas.microsoft.com/office/drawing/2014/main" xmlns="" id="{09B166B8-9352-4828-8B4A-DD789007BF2A}"/>
               </a:ext>
             </a:extLst>
           </p:cNvPr>
@@ -2959,7 +2959,7 @@
           <p:cNvPr id="6" name="投影片編號版面配置區 5">
             <a:extLst>
               <a:ext uri="{FF2B5EF4-FFF2-40B4-BE49-F238E27FC236}">
-                <a16:creationId xmlns:a16="http://schemas.microsoft.com/office/drawing/2014/main" id="{4A7B7B34-ABFB-4DD7-A4F9-11057607A99B}"/>
+                <a16:creationId xmlns:a16="http://schemas.microsoft.com/office/drawing/2014/main" xmlns="" id="{4A7B7B34-ABFB-4DD7-A4F9-11057607A99B}"/>
               </a:ext>
             </a:extLst>
           </p:cNvPr>
@@ -3327,7 +3327,7 @@
           <p:cNvPr id="4" name="文字方塊 3">
             <a:extLst>
               <a:ext uri="{FF2B5EF4-FFF2-40B4-BE49-F238E27FC236}">
-                <a16:creationId xmlns:a16="http://schemas.microsoft.com/office/drawing/2014/main" id="{EB155881-CF2D-459A-9A29-E1CF9BE764EE}"/>
+                <a16:creationId xmlns:a16="http://schemas.microsoft.com/office/drawing/2014/main" xmlns="" id="{EB155881-CF2D-459A-9A29-E1CF9BE764EE}"/>
               </a:ext>
             </a:extLst>
           </p:cNvPr>
@@ -3370,7 +3370,7 @@
           <p:cNvPr id="10" name="圖片 9">
             <a:extLst>
               <a:ext uri="{FF2B5EF4-FFF2-40B4-BE49-F238E27FC236}">
-                <a16:creationId xmlns:a16="http://schemas.microsoft.com/office/drawing/2014/main" id="{85002299-01FB-4D4F-8920-7B3F05739C1A}"/>
+                <a16:creationId xmlns:a16="http://schemas.microsoft.com/office/drawing/2014/main" xmlns="" id="{85002299-01FB-4D4F-8920-7B3F05739C1A}"/>
               </a:ext>
             </a:extLst>
           </p:cNvPr>
@@ -3430,7 +3430,7 @@
           <p:cNvPr id="4" name="文字方塊 3">
             <a:extLst>
               <a:ext uri="{FF2B5EF4-FFF2-40B4-BE49-F238E27FC236}">
-                <a16:creationId xmlns:a16="http://schemas.microsoft.com/office/drawing/2014/main" id="{BB0A4062-3848-4CD5-9746-542723AB90C3}"/>
+                <a16:creationId xmlns:a16="http://schemas.microsoft.com/office/drawing/2014/main" xmlns="" id="{BB0A4062-3848-4CD5-9746-542723AB90C3}"/>
               </a:ext>
             </a:extLst>
           </p:cNvPr>
@@ -3469,7 +3469,7 @@
           <p:cNvPr id="6" name="文字方塊 5">
             <a:extLst>
               <a:ext uri="{FF2B5EF4-FFF2-40B4-BE49-F238E27FC236}">
-                <a16:creationId xmlns:a16="http://schemas.microsoft.com/office/drawing/2014/main" id="{6D069BD5-2E22-4181-901D-DC31B28529E9}"/>
+                <a16:creationId xmlns:a16="http://schemas.microsoft.com/office/drawing/2014/main" xmlns="" id="{6D069BD5-2E22-4181-901D-DC31B28529E9}"/>
               </a:ext>
             </a:extLst>
           </p:cNvPr>
@@ -3479,7 +3479,7 @@
         <p:spPr>
           <a:xfrm>
             <a:off x="647657" y="1198535"/>
-            <a:ext cx="9616415" cy="2308324"/>
+            <a:ext cx="8332409" cy="2308324"/>
           </a:xfrm>
           <a:prstGeom prst="rect">
             <a:avLst/>
@@ -3597,15 +3597,15 @@
             </a:r>
             <a:r>
               <a:rPr lang="zh-TW" altLang="en-US" dirty="0"/>
-              <a:t> 提交目前的異動並透過 </a:t>
-            </a:r>
-            <a:r>
-              <a:rPr lang="en-US" altLang="zh-TW" dirty="0"/>
-              <a:t>-m </a:t>
+              <a:t> 提交目前的異動</a:t>
+            </a:r>
+            <a:r>
+              <a:rPr lang="zh-TW" altLang="en-US" dirty="0" smtClean="0"/>
+              <a:t>並設定</a:t>
             </a:r>
             <a:r>
               <a:rPr lang="zh-TW" altLang="en-US" dirty="0"/>
-              <a:t>參數設定摘要說明文字</a:t>
+              <a:t>摘要說明文字</a:t>
             </a:r>
             <a:r>
               <a:rPr lang="en-US" altLang="zh-TW" dirty="0"/>
@@ -3815,7 +3815,7 @@
     </a:clrScheme>
     <a:fontScheme name="Office">
       <a:majorFont>
-        <a:latin typeface="Calibri Light" panose="020F0302020204030204"/>
+        <a:latin typeface="Calibri Light"/>
         <a:ea typeface=""/>
         <a:cs typeface=""/>
         <a:font script="Jpan" typeface="游ゴシック Light"/>
@@ -3867,7 +3867,7 @@
         <a:font script="Tfng" typeface="Ebrima"/>
       </a:majorFont>
       <a:minorFont>
-        <a:latin typeface="Calibri" panose="020F0502020204030204"/>
+        <a:latin typeface="Calibri"/>
         <a:ea typeface=""/>
         <a:cs typeface=""/>
         <a:font script="Jpan" typeface="游ゴシック"/>
@@ -4061,7 +4061,7 @@
   <a:extraClrSchemeLst/>
   <a:extLst>
     <a:ext uri="{05A4C25C-085E-4340-85A3-A5531E510DB2}">
-      <thm15:themeFamily xmlns:thm15="http://schemas.microsoft.com/office/thememl/2012/main" name="Office Theme" id="{62F939B6-93AF-4DB8-9C6B-D6C7DFDC589F}" vid="{4A3C46E8-61CC-4603-A589-7422A47A8E4A}"/>
+      <thm15:themeFamily xmlns:thm15="http://schemas.microsoft.com/office/thememl/2012/main" xmlns="" name="Office Theme" id="{62F939B6-93AF-4DB8-9C6B-D6C7DFDC589F}" vid="{4A3C46E8-61CC-4603-A589-7422A47A8E4A}"/>
     </a:ext>
   </a:extLst>
 </a:theme>

--- a/github.pptx
+++ b/github.pptx
@@ -7,6 +7,7 @@
   <p:sldIdLst>
     <p:sldId id="256" r:id="rId2"/>
     <p:sldId id="257" r:id="rId3"/>
+    <p:sldId id="258" r:id="rId4"/>
   </p:sldIdLst>
   <p:sldSz cx="12192000" cy="6858000"/>
   <p:notesSz cx="6858000" cy="9144000"/>
@@ -130,7 +131,7 @@
           <p:cNvPr id="2" name="標題 1">
             <a:extLst>
               <a:ext uri="{FF2B5EF4-FFF2-40B4-BE49-F238E27FC236}">
-                <a16:creationId xmlns:a16="http://schemas.microsoft.com/office/drawing/2014/main" xmlns="" id="{9B44392B-A9DB-4E42-A255-60A695A14E08}"/>
+                <a16:creationId xmlns="" xmlns:a16="http://schemas.microsoft.com/office/drawing/2014/main" id="{9B44392B-A9DB-4E42-A255-60A695A14E08}"/>
               </a:ext>
             </a:extLst>
           </p:cNvPr>
@@ -167,7 +168,7 @@
           <p:cNvPr id="3" name="副標題 2">
             <a:extLst>
               <a:ext uri="{FF2B5EF4-FFF2-40B4-BE49-F238E27FC236}">
-                <a16:creationId xmlns:a16="http://schemas.microsoft.com/office/drawing/2014/main" xmlns="" id="{1369F4E4-65C5-435C-B037-E1AA4BACC906}"/>
+                <a16:creationId xmlns="" xmlns:a16="http://schemas.microsoft.com/office/drawing/2014/main" id="{1369F4E4-65C5-435C-B037-E1AA4BACC906}"/>
               </a:ext>
             </a:extLst>
           </p:cNvPr>
@@ -237,7 +238,7 @@
           <p:cNvPr id="4" name="日期版面配置區 3">
             <a:extLst>
               <a:ext uri="{FF2B5EF4-FFF2-40B4-BE49-F238E27FC236}">
-                <a16:creationId xmlns:a16="http://schemas.microsoft.com/office/drawing/2014/main" xmlns="" id="{C96BA088-5803-4FC9-A521-2E9A89886635}"/>
+                <a16:creationId xmlns="" xmlns:a16="http://schemas.microsoft.com/office/drawing/2014/main" id="{C96BA088-5803-4FC9-A521-2E9A89886635}"/>
               </a:ext>
             </a:extLst>
           </p:cNvPr>
@@ -255,7 +256,7 @@
           <a:p>
             <a:fld id="{455874E9-DA5F-45B4-AEAB-17A54CA9763B}" type="datetimeFigureOut">
               <a:rPr lang="zh-TW" altLang="en-US" smtClean="0"/>
-              <a:t>2022/3/13</a:t>
+              <a:t>2022/3/17</a:t>
             </a:fld>
             <a:endParaRPr lang="zh-TW" altLang="en-US"/>
           </a:p>
@@ -266,7 +267,7 @@
           <p:cNvPr id="5" name="頁尾版面配置區 4">
             <a:extLst>
               <a:ext uri="{FF2B5EF4-FFF2-40B4-BE49-F238E27FC236}">
-                <a16:creationId xmlns:a16="http://schemas.microsoft.com/office/drawing/2014/main" xmlns="" id="{BB98CF3F-FF92-4CB2-8BCF-1447AD22A13F}"/>
+                <a16:creationId xmlns="" xmlns:a16="http://schemas.microsoft.com/office/drawing/2014/main" id="{BB98CF3F-FF92-4CB2-8BCF-1447AD22A13F}"/>
               </a:ext>
             </a:extLst>
           </p:cNvPr>
@@ -291,7 +292,7 @@
           <p:cNvPr id="6" name="投影片編號版面配置區 5">
             <a:extLst>
               <a:ext uri="{FF2B5EF4-FFF2-40B4-BE49-F238E27FC236}">
-                <a16:creationId xmlns:a16="http://schemas.microsoft.com/office/drawing/2014/main" xmlns="" id="{AF38A66E-A6CF-4AAF-9A5C-15785B159E78}"/>
+                <a16:creationId xmlns="" xmlns:a16="http://schemas.microsoft.com/office/drawing/2014/main" id="{AF38A66E-A6CF-4AAF-9A5C-15785B159E78}"/>
               </a:ext>
             </a:extLst>
           </p:cNvPr>
@@ -350,7 +351,7 @@
           <p:cNvPr id="2" name="標題 1">
             <a:extLst>
               <a:ext uri="{FF2B5EF4-FFF2-40B4-BE49-F238E27FC236}">
-                <a16:creationId xmlns:a16="http://schemas.microsoft.com/office/drawing/2014/main" xmlns="" id="{36E2EB44-E7FC-47ED-B464-A919BA15F131}"/>
+                <a16:creationId xmlns="" xmlns:a16="http://schemas.microsoft.com/office/drawing/2014/main" id="{36E2EB44-E7FC-47ED-B464-A919BA15F131}"/>
               </a:ext>
             </a:extLst>
           </p:cNvPr>
@@ -378,7 +379,7 @@
           <p:cNvPr id="3" name="直排文字版面配置區 2">
             <a:extLst>
               <a:ext uri="{FF2B5EF4-FFF2-40B4-BE49-F238E27FC236}">
-                <a16:creationId xmlns:a16="http://schemas.microsoft.com/office/drawing/2014/main" xmlns="" id="{D9871EB8-1870-4BFB-AB90-9262B1DCA2A7}"/>
+                <a16:creationId xmlns="" xmlns:a16="http://schemas.microsoft.com/office/drawing/2014/main" id="{D9871EB8-1870-4BFB-AB90-9262B1DCA2A7}"/>
               </a:ext>
             </a:extLst>
           </p:cNvPr>
@@ -435,7 +436,7 @@
           <p:cNvPr id="4" name="日期版面配置區 3">
             <a:extLst>
               <a:ext uri="{FF2B5EF4-FFF2-40B4-BE49-F238E27FC236}">
-                <a16:creationId xmlns:a16="http://schemas.microsoft.com/office/drawing/2014/main" xmlns="" id="{E818AFB1-8F9C-4216-BE6E-538D9FFCFD02}"/>
+                <a16:creationId xmlns="" xmlns:a16="http://schemas.microsoft.com/office/drawing/2014/main" id="{E818AFB1-8F9C-4216-BE6E-538D9FFCFD02}"/>
               </a:ext>
             </a:extLst>
           </p:cNvPr>
@@ -453,7 +454,7 @@
           <a:p>
             <a:fld id="{455874E9-DA5F-45B4-AEAB-17A54CA9763B}" type="datetimeFigureOut">
               <a:rPr lang="zh-TW" altLang="en-US" smtClean="0"/>
-              <a:t>2022/3/13</a:t>
+              <a:t>2022/3/17</a:t>
             </a:fld>
             <a:endParaRPr lang="zh-TW" altLang="en-US"/>
           </a:p>
@@ -464,7 +465,7 @@
           <p:cNvPr id="5" name="頁尾版面配置區 4">
             <a:extLst>
               <a:ext uri="{FF2B5EF4-FFF2-40B4-BE49-F238E27FC236}">
-                <a16:creationId xmlns:a16="http://schemas.microsoft.com/office/drawing/2014/main" xmlns="" id="{8885781D-A20A-4434-A789-3CD9377E597B}"/>
+                <a16:creationId xmlns="" xmlns:a16="http://schemas.microsoft.com/office/drawing/2014/main" id="{8885781D-A20A-4434-A789-3CD9377E597B}"/>
               </a:ext>
             </a:extLst>
           </p:cNvPr>
@@ -489,7 +490,7 @@
           <p:cNvPr id="6" name="投影片編號版面配置區 5">
             <a:extLst>
               <a:ext uri="{FF2B5EF4-FFF2-40B4-BE49-F238E27FC236}">
-                <a16:creationId xmlns:a16="http://schemas.microsoft.com/office/drawing/2014/main" xmlns="" id="{866012AE-CE2B-4797-B770-7C8F6E64BEC1}"/>
+                <a16:creationId xmlns="" xmlns:a16="http://schemas.microsoft.com/office/drawing/2014/main" id="{866012AE-CE2B-4797-B770-7C8F6E64BEC1}"/>
               </a:ext>
             </a:extLst>
           </p:cNvPr>
@@ -548,7 +549,7 @@
           <p:cNvPr id="2" name="直排標題 1">
             <a:extLst>
               <a:ext uri="{FF2B5EF4-FFF2-40B4-BE49-F238E27FC236}">
-                <a16:creationId xmlns:a16="http://schemas.microsoft.com/office/drawing/2014/main" xmlns="" id="{EF915AF9-9AF1-47EB-B9E2-35F470961C03}"/>
+                <a16:creationId xmlns="" xmlns:a16="http://schemas.microsoft.com/office/drawing/2014/main" id="{EF915AF9-9AF1-47EB-B9E2-35F470961C03}"/>
               </a:ext>
             </a:extLst>
           </p:cNvPr>
@@ -581,7 +582,7 @@
           <p:cNvPr id="3" name="直排文字版面配置區 2">
             <a:extLst>
               <a:ext uri="{FF2B5EF4-FFF2-40B4-BE49-F238E27FC236}">
-                <a16:creationId xmlns:a16="http://schemas.microsoft.com/office/drawing/2014/main" xmlns="" id="{B30A7B6E-E943-417F-B871-2F3FD92B220D}"/>
+                <a16:creationId xmlns="" xmlns:a16="http://schemas.microsoft.com/office/drawing/2014/main" id="{B30A7B6E-E943-417F-B871-2F3FD92B220D}"/>
               </a:ext>
             </a:extLst>
           </p:cNvPr>
@@ -643,7 +644,7 @@
           <p:cNvPr id="4" name="日期版面配置區 3">
             <a:extLst>
               <a:ext uri="{FF2B5EF4-FFF2-40B4-BE49-F238E27FC236}">
-                <a16:creationId xmlns:a16="http://schemas.microsoft.com/office/drawing/2014/main" xmlns="" id="{B012FB5B-0354-4720-A581-DA2E70073135}"/>
+                <a16:creationId xmlns="" xmlns:a16="http://schemas.microsoft.com/office/drawing/2014/main" id="{B012FB5B-0354-4720-A581-DA2E70073135}"/>
               </a:ext>
             </a:extLst>
           </p:cNvPr>
@@ -661,7 +662,7 @@
           <a:p>
             <a:fld id="{455874E9-DA5F-45B4-AEAB-17A54CA9763B}" type="datetimeFigureOut">
               <a:rPr lang="zh-TW" altLang="en-US" smtClean="0"/>
-              <a:t>2022/3/13</a:t>
+              <a:t>2022/3/17</a:t>
             </a:fld>
             <a:endParaRPr lang="zh-TW" altLang="en-US"/>
           </a:p>
@@ -672,7 +673,7 @@
           <p:cNvPr id="5" name="頁尾版面配置區 4">
             <a:extLst>
               <a:ext uri="{FF2B5EF4-FFF2-40B4-BE49-F238E27FC236}">
-                <a16:creationId xmlns:a16="http://schemas.microsoft.com/office/drawing/2014/main" xmlns="" id="{465A44D3-DFE3-4001-AAA0-BA8368705058}"/>
+                <a16:creationId xmlns="" xmlns:a16="http://schemas.microsoft.com/office/drawing/2014/main" id="{465A44D3-DFE3-4001-AAA0-BA8368705058}"/>
               </a:ext>
             </a:extLst>
           </p:cNvPr>
@@ -697,7 +698,7 @@
           <p:cNvPr id="6" name="投影片編號版面配置區 5">
             <a:extLst>
               <a:ext uri="{FF2B5EF4-FFF2-40B4-BE49-F238E27FC236}">
-                <a16:creationId xmlns:a16="http://schemas.microsoft.com/office/drawing/2014/main" xmlns="" id="{36B7C9FA-EEDC-4D50-9B0B-F346F7F053E1}"/>
+                <a16:creationId xmlns="" xmlns:a16="http://schemas.microsoft.com/office/drawing/2014/main" id="{36B7C9FA-EEDC-4D50-9B0B-F346F7F053E1}"/>
               </a:ext>
             </a:extLst>
           </p:cNvPr>
@@ -756,7 +757,7 @@
           <p:cNvPr id="2" name="標題 1">
             <a:extLst>
               <a:ext uri="{FF2B5EF4-FFF2-40B4-BE49-F238E27FC236}">
-                <a16:creationId xmlns:a16="http://schemas.microsoft.com/office/drawing/2014/main" xmlns="" id="{E3483501-D470-4D9F-962E-2DD277CBD7B9}"/>
+                <a16:creationId xmlns="" xmlns:a16="http://schemas.microsoft.com/office/drawing/2014/main" id="{E3483501-D470-4D9F-962E-2DD277CBD7B9}"/>
               </a:ext>
             </a:extLst>
           </p:cNvPr>
@@ -784,7 +785,7 @@
           <p:cNvPr id="3" name="內容版面配置區 2">
             <a:extLst>
               <a:ext uri="{FF2B5EF4-FFF2-40B4-BE49-F238E27FC236}">
-                <a16:creationId xmlns:a16="http://schemas.microsoft.com/office/drawing/2014/main" xmlns="" id="{4F7761E4-855B-41C0-8343-2FCAAD0CC189}"/>
+                <a16:creationId xmlns="" xmlns:a16="http://schemas.microsoft.com/office/drawing/2014/main" id="{4F7761E4-855B-41C0-8343-2FCAAD0CC189}"/>
               </a:ext>
             </a:extLst>
           </p:cNvPr>
@@ -841,7 +842,7 @@
           <p:cNvPr id="4" name="日期版面配置區 3">
             <a:extLst>
               <a:ext uri="{FF2B5EF4-FFF2-40B4-BE49-F238E27FC236}">
-                <a16:creationId xmlns:a16="http://schemas.microsoft.com/office/drawing/2014/main" xmlns="" id="{C49A474D-61AE-4E2E-B75E-5FC6FB7075F5}"/>
+                <a16:creationId xmlns="" xmlns:a16="http://schemas.microsoft.com/office/drawing/2014/main" id="{C49A474D-61AE-4E2E-B75E-5FC6FB7075F5}"/>
               </a:ext>
             </a:extLst>
           </p:cNvPr>
@@ -859,7 +860,7 @@
           <a:p>
             <a:fld id="{455874E9-DA5F-45B4-AEAB-17A54CA9763B}" type="datetimeFigureOut">
               <a:rPr lang="zh-TW" altLang="en-US" smtClean="0"/>
-              <a:t>2022/3/13</a:t>
+              <a:t>2022/3/17</a:t>
             </a:fld>
             <a:endParaRPr lang="zh-TW" altLang="en-US"/>
           </a:p>
@@ -870,7 +871,7 @@
           <p:cNvPr id="5" name="頁尾版面配置區 4">
             <a:extLst>
               <a:ext uri="{FF2B5EF4-FFF2-40B4-BE49-F238E27FC236}">
-                <a16:creationId xmlns:a16="http://schemas.microsoft.com/office/drawing/2014/main" xmlns="" id="{41E5F3ED-E5FD-400C-A1BB-C94D99648F3C}"/>
+                <a16:creationId xmlns="" xmlns:a16="http://schemas.microsoft.com/office/drawing/2014/main" id="{41E5F3ED-E5FD-400C-A1BB-C94D99648F3C}"/>
               </a:ext>
             </a:extLst>
           </p:cNvPr>
@@ -895,7 +896,7 @@
           <p:cNvPr id="6" name="投影片編號版面配置區 5">
             <a:extLst>
               <a:ext uri="{FF2B5EF4-FFF2-40B4-BE49-F238E27FC236}">
-                <a16:creationId xmlns:a16="http://schemas.microsoft.com/office/drawing/2014/main" xmlns="" id="{6101569B-D8C9-4D73-92C4-6659B1A1FD07}"/>
+                <a16:creationId xmlns="" xmlns:a16="http://schemas.microsoft.com/office/drawing/2014/main" id="{6101569B-D8C9-4D73-92C4-6659B1A1FD07}"/>
               </a:ext>
             </a:extLst>
           </p:cNvPr>
@@ -954,7 +955,7 @@
           <p:cNvPr id="2" name="標題 1">
             <a:extLst>
               <a:ext uri="{FF2B5EF4-FFF2-40B4-BE49-F238E27FC236}">
-                <a16:creationId xmlns:a16="http://schemas.microsoft.com/office/drawing/2014/main" xmlns="" id="{546855B2-941F-4B70-AFFD-E7A888B95BF0}"/>
+                <a16:creationId xmlns="" xmlns:a16="http://schemas.microsoft.com/office/drawing/2014/main" id="{546855B2-941F-4B70-AFFD-E7A888B95BF0}"/>
               </a:ext>
             </a:extLst>
           </p:cNvPr>
@@ -991,7 +992,7 @@
           <p:cNvPr id="3" name="文字版面配置區 2">
             <a:extLst>
               <a:ext uri="{FF2B5EF4-FFF2-40B4-BE49-F238E27FC236}">
-                <a16:creationId xmlns:a16="http://schemas.microsoft.com/office/drawing/2014/main" xmlns="" id="{97DA89A1-09C7-457F-BE4B-72F30FA1F6D5}"/>
+                <a16:creationId xmlns="" xmlns:a16="http://schemas.microsoft.com/office/drawing/2014/main" id="{97DA89A1-09C7-457F-BE4B-72F30FA1F6D5}"/>
               </a:ext>
             </a:extLst>
           </p:cNvPr>
@@ -1116,7 +1117,7 @@
           <p:cNvPr id="4" name="日期版面配置區 3">
             <a:extLst>
               <a:ext uri="{FF2B5EF4-FFF2-40B4-BE49-F238E27FC236}">
-                <a16:creationId xmlns:a16="http://schemas.microsoft.com/office/drawing/2014/main" xmlns="" id="{5BCA83E5-49A2-489B-B966-7C8A01D8E09D}"/>
+                <a16:creationId xmlns="" xmlns:a16="http://schemas.microsoft.com/office/drawing/2014/main" id="{5BCA83E5-49A2-489B-B966-7C8A01D8E09D}"/>
               </a:ext>
             </a:extLst>
           </p:cNvPr>
@@ -1134,7 +1135,7 @@
           <a:p>
             <a:fld id="{455874E9-DA5F-45B4-AEAB-17A54CA9763B}" type="datetimeFigureOut">
               <a:rPr lang="zh-TW" altLang="en-US" smtClean="0"/>
-              <a:t>2022/3/13</a:t>
+              <a:t>2022/3/17</a:t>
             </a:fld>
             <a:endParaRPr lang="zh-TW" altLang="en-US"/>
           </a:p>
@@ -1145,7 +1146,7 @@
           <p:cNvPr id="5" name="頁尾版面配置區 4">
             <a:extLst>
               <a:ext uri="{FF2B5EF4-FFF2-40B4-BE49-F238E27FC236}">
-                <a16:creationId xmlns:a16="http://schemas.microsoft.com/office/drawing/2014/main" xmlns="" id="{C14A01F3-5833-465E-B692-9857B174CEAD}"/>
+                <a16:creationId xmlns="" xmlns:a16="http://schemas.microsoft.com/office/drawing/2014/main" id="{C14A01F3-5833-465E-B692-9857B174CEAD}"/>
               </a:ext>
             </a:extLst>
           </p:cNvPr>
@@ -1170,7 +1171,7 @@
           <p:cNvPr id="6" name="投影片編號版面配置區 5">
             <a:extLst>
               <a:ext uri="{FF2B5EF4-FFF2-40B4-BE49-F238E27FC236}">
-                <a16:creationId xmlns:a16="http://schemas.microsoft.com/office/drawing/2014/main" xmlns="" id="{FD27F3A7-E7F5-4AC9-B6AD-187B7F88E6DC}"/>
+                <a16:creationId xmlns="" xmlns:a16="http://schemas.microsoft.com/office/drawing/2014/main" id="{FD27F3A7-E7F5-4AC9-B6AD-187B7F88E6DC}"/>
               </a:ext>
             </a:extLst>
           </p:cNvPr>
@@ -1229,7 +1230,7 @@
           <p:cNvPr id="2" name="標題 1">
             <a:extLst>
               <a:ext uri="{FF2B5EF4-FFF2-40B4-BE49-F238E27FC236}">
-                <a16:creationId xmlns:a16="http://schemas.microsoft.com/office/drawing/2014/main" xmlns="" id="{E8677890-F89A-4AF1-AB93-15928353BEF2}"/>
+                <a16:creationId xmlns="" xmlns:a16="http://schemas.microsoft.com/office/drawing/2014/main" id="{E8677890-F89A-4AF1-AB93-15928353BEF2}"/>
               </a:ext>
             </a:extLst>
           </p:cNvPr>
@@ -1257,7 +1258,7 @@
           <p:cNvPr id="3" name="內容版面配置區 2">
             <a:extLst>
               <a:ext uri="{FF2B5EF4-FFF2-40B4-BE49-F238E27FC236}">
-                <a16:creationId xmlns:a16="http://schemas.microsoft.com/office/drawing/2014/main" xmlns="" id="{10A57A10-15E4-402E-B6C7-2AAC0EBF5FA6}"/>
+                <a16:creationId xmlns="" xmlns:a16="http://schemas.microsoft.com/office/drawing/2014/main" id="{10A57A10-15E4-402E-B6C7-2AAC0EBF5FA6}"/>
               </a:ext>
             </a:extLst>
           </p:cNvPr>
@@ -1319,7 +1320,7 @@
           <p:cNvPr id="4" name="內容版面配置區 3">
             <a:extLst>
               <a:ext uri="{FF2B5EF4-FFF2-40B4-BE49-F238E27FC236}">
-                <a16:creationId xmlns:a16="http://schemas.microsoft.com/office/drawing/2014/main" xmlns="" id="{3BB9C801-0468-47F5-BD79-C8B279F7106C}"/>
+                <a16:creationId xmlns="" xmlns:a16="http://schemas.microsoft.com/office/drawing/2014/main" id="{3BB9C801-0468-47F5-BD79-C8B279F7106C}"/>
               </a:ext>
             </a:extLst>
           </p:cNvPr>
@@ -1381,7 +1382,7 @@
           <p:cNvPr id="5" name="日期版面配置區 4">
             <a:extLst>
               <a:ext uri="{FF2B5EF4-FFF2-40B4-BE49-F238E27FC236}">
-                <a16:creationId xmlns:a16="http://schemas.microsoft.com/office/drawing/2014/main" xmlns="" id="{BD1C95C3-7D6D-4C20-B2E1-0E0E8BE3E07F}"/>
+                <a16:creationId xmlns="" xmlns:a16="http://schemas.microsoft.com/office/drawing/2014/main" id="{BD1C95C3-7D6D-4C20-B2E1-0E0E8BE3E07F}"/>
               </a:ext>
             </a:extLst>
           </p:cNvPr>
@@ -1399,7 +1400,7 @@
           <a:p>
             <a:fld id="{455874E9-DA5F-45B4-AEAB-17A54CA9763B}" type="datetimeFigureOut">
               <a:rPr lang="zh-TW" altLang="en-US" smtClean="0"/>
-              <a:t>2022/3/13</a:t>
+              <a:t>2022/3/17</a:t>
             </a:fld>
             <a:endParaRPr lang="zh-TW" altLang="en-US"/>
           </a:p>
@@ -1410,7 +1411,7 @@
           <p:cNvPr id="6" name="頁尾版面配置區 5">
             <a:extLst>
               <a:ext uri="{FF2B5EF4-FFF2-40B4-BE49-F238E27FC236}">
-                <a16:creationId xmlns:a16="http://schemas.microsoft.com/office/drawing/2014/main" xmlns="" id="{FF8BEF0A-C491-4B09-8D8A-DFCB327ECA1E}"/>
+                <a16:creationId xmlns="" xmlns:a16="http://schemas.microsoft.com/office/drawing/2014/main" id="{FF8BEF0A-C491-4B09-8D8A-DFCB327ECA1E}"/>
               </a:ext>
             </a:extLst>
           </p:cNvPr>
@@ -1435,7 +1436,7 @@
           <p:cNvPr id="7" name="投影片編號版面配置區 6">
             <a:extLst>
               <a:ext uri="{FF2B5EF4-FFF2-40B4-BE49-F238E27FC236}">
-                <a16:creationId xmlns:a16="http://schemas.microsoft.com/office/drawing/2014/main" xmlns="" id="{EBDEFC19-3FC4-468B-88E3-6F681939A2AD}"/>
+                <a16:creationId xmlns="" xmlns:a16="http://schemas.microsoft.com/office/drawing/2014/main" id="{EBDEFC19-3FC4-468B-88E3-6F681939A2AD}"/>
               </a:ext>
             </a:extLst>
           </p:cNvPr>
@@ -1494,7 +1495,7 @@
           <p:cNvPr id="2" name="標題 1">
             <a:extLst>
               <a:ext uri="{FF2B5EF4-FFF2-40B4-BE49-F238E27FC236}">
-                <a16:creationId xmlns:a16="http://schemas.microsoft.com/office/drawing/2014/main" xmlns="" id="{D86F7CBA-8C8A-418E-B55B-4014673E40EC}"/>
+                <a16:creationId xmlns="" xmlns:a16="http://schemas.microsoft.com/office/drawing/2014/main" id="{D86F7CBA-8C8A-418E-B55B-4014673E40EC}"/>
               </a:ext>
             </a:extLst>
           </p:cNvPr>
@@ -1527,7 +1528,7 @@
           <p:cNvPr id="3" name="文字版面配置區 2">
             <a:extLst>
               <a:ext uri="{FF2B5EF4-FFF2-40B4-BE49-F238E27FC236}">
-                <a16:creationId xmlns:a16="http://schemas.microsoft.com/office/drawing/2014/main" xmlns="" id="{87989F39-A45D-4806-B0C7-E19217129F5A}"/>
+                <a16:creationId xmlns="" xmlns:a16="http://schemas.microsoft.com/office/drawing/2014/main" id="{87989F39-A45D-4806-B0C7-E19217129F5A}"/>
               </a:ext>
             </a:extLst>
           </p:cNvPr>
@@ -1598,7 +1599,7 @@
           <p:cNvPr id="4" name="內容版面配置區 3">
             <a:extLst>
               <a:ext uri="{FF2B5EF4-FFF2-40B4-BE49-F238E27FC236}">
-                <a16:creationId xmlns:a16="http://schemas.microsoft.com/office/drawing/2014/main" xmlns="" id="{A4DF19C7-78BC-4C36-9281-9987687D7A10}"/>
+                <a16:creationId xmlns="" xmlns:a16="http://schemas.microsoft.com/office/drawing/2014/main" id="{A4DF19C7-78BC-4C36-9281-9987687D7A10}"/>
               </a:ext>
             </a:extLst>
           </p:cNvPr>
@@ -1660,7 +1661,7 @@
           <p:cNvPr id="5" name="文字版面配置區 4">
             <a:extLst>
               <a:ext uri="{FF2B5EF4-FFF2-40B4-BE49-F238E27FC236}">
-                <a16:creationId xmlns:a16="http://schemas.microsoft.com/office/drawing/2014/main" xmlns="" id="{B975CE63-43D1-4C19-9872-C475DAB914DB}"/>
+                <a16:creationId xmlns="" xmlns:a16="http://schemas.microsoft.com/office/drawing/2014/main" id="{B975CE63-43D1-4C19-9872-C475DAB914DB}"/>
               </a:ext>
             </a:extLst>
           </p:cNvPr>
@@ -1731,7 +1732,7 @@
           <p:cNvPr id="6" name="內容版面配置區 5">
             <a:extLst>
               <a:ext uri="{FF2B5EF4-FFF2-40B4-BE49-F238E27FC236}">
-                <a16:creationId xmlns:a16="http://schemas.microsoft.com/office/drawing/2014/main" xmlns="" id="{6B821486-669A-4FDA-97D6-888F309A88FB}"/>
+                <a16:creationId xmlns="" xmlns:a16="http://schemas.microsoft.com/office/drawing/2014/main" id="{6B821486-669A-4FDA-97D6-888F309A88FB}"/>
               </a:ext>
             </a:extLst>
           </p:cNvPr>
@@ -1793,7 +1794,7 @@
           <p:cNvPr id="7" name="日期版面配置區 6">
             <a:extLst>
               <a:ext uri="{FF2B5EF4-FFF2-40B4-BE49-F238E27FC236}">
-                <a16:creationId xmlns:a16="http://schemas.microsoft.com/office/drawing/2014/main" xmlns="" id="{59FF7FFE-DBE0-40C8-B341-92AD1038A5FD}"/>
+                <a16:creationId xmlns="" xmlns:a16="http://schemas.microsoft.com/office/drawing/2014/main" id="{59FF7FFE-DBE0-40C8-B341-92AD1038A5FD}"/>
               </a:ext>
             </a:extLst>
           </p:cNvPr>
@@ -1811,7 +1812,7 @@
           <a:p>
             <a:fld id="{455874E9-DA5F-45B4-AEAB-17A54CA9763B}" type="datetimeFigureOut">
               <a:rPr lang="zh-TW" altLang="en-US" smtClean="0"/>
-              <a:t>2022/3/13</a:t>
+              <a:t>2022/3/17</a:t>
             </a:fld>
             <a:endParaRPr lang="zh-TW" altLang="en-US"/>
           </a:p>
@@ -1822,7 +1823,7 @@
           <p:cNvPr id="8" name="頁尾版面配置區 7">
             <a:extLst>
               <a:ext uri="{FF2B5EF4-FFF2-40B4-BE49-F238E27FC236}">
-                <a16:creationId xmlns:a16="http://schemas.microsoft.com/office/drawing/2014/main" xmlns="" id="{2288AAEB-ADD2-47CE-B689-BE84FD480133}"/>
+                <a16:creationId xmlns="" xmlns:a16="http://schemas.microsoft.com/office/drawing/2014/main" id="{2288AAEB-ADD2-47CE-B689-BE84FD480133}"/>
               </a:ext>
             </a:extLst>
           </p:cNvPr>
@@ -1847,7 +1848,7 @@
           <p:cNvPr id="9" name="投影片編號版面配置區 8">
             <a:extLst>
               <a:ext uri="{FF2B5EF4-FFF2-40B4-BE49-F238E27FC236}">
-                <a16:creationId xmlns:a16="http://schemas.microsoft.com/office/drawing/2014/main" xmlns="" id="{CCB8A2D5-01F1-4902-82F0-EF8FFAC2F07C}"/>
+                <a16:creationId xmlns="" xmlns:a16="http://schemas.microsoft.com/office/drawing/2014/main" id="{CCB8A2D5-01F1-4902-82F0-EF8FFAC2F07C}"/>
               </a:ext>
             </a:extLst>
           </p:cNvPr>
@@ -1906,7 +1907,7 @@
           <p:cNvPr id="2" name="標題 1">
             <a:extLst>
               <a:ext uri="{FF2B5EF4-FFF2-40B4-BE49-F238E27FC236}">
-                <a16:creationId xmlns:a16="http://schemas.microsoft.com/office/drawing/2014/main" xmlns="" id="{5B523180-5ED5-4B84-8352-55F3012EDE96}"/>
+                <a16:creationId xmlns="" xmlns:a16="http://schemas.microsoft.com/office/drawing/2014/main" id="{5B523180-5ED5-4B84-8352-55F3012EDE96}"/>
               </a:ext>
             </a:extLst>
           </p:cNvPr>
@@ -1934,7 +1935,7 @@
           <p:cNvPr id="3" name="日期版面配置區 2">
             <a:extLst>
               <a:ext uri="{FF2B5EF4-FFF2-40B4-BE49-F238E27FC236}">
-                <a16:creationId xmlns:a16="http://schemas.microsoft.com/office/drawing/2014/main" xmlns="" id="{C7C1F44D-0DDE-4D0E-8564-62828F1DA982}"/>
+                <a16:creationId xmlns="" xmlns:a16="http://schemas.microsoft.com/office/drawing/2014/main" id="{C7C1F44D-0DDE-4D0E-8564-62828F1DA982}"/>
               </a:ext>
             </a:extLst>
           </p:cNvPr>
@@ -1952,7 +1953,7 @@
           <a:p>
             <a:fld id="{455874E9-DA5F-45B4-AEAB-17A54CA9763B}" type="datetimeFigureOut">
               <a:rPr lang="zh-TW" altLang="en-US" smtClean="0"/>
-              <a:t>2022/3/13</a:t>
+              <a:t>2022/3/17</a:t>
             </a:fld>
             <a:endParaRPr lang="zh-TW" altLang="en-US"/>
           </a:p>
@@ -1963,7 +1964,7 @@
           <p:cNvPr id="4" name="頁尾版面配置區 3">
             <a:extLst>
               <a:ext uri="{FF2B5EF4-FFF2-40B4-BE49-F238E27FC236}">
-                <a16:creationId xmlns:a16="http://schemas.microsoft.com/office/drawing/2014/main" xmlns="" id="{0F598160-CD9C-44F8-86A6-A1438E32F22C}"/>
+                <a16:creationId xmlns="" xmlns:a16="http://schemas.microsoft.com/office/drawing/2014/main" id="{0F598160-CD9C-44F8-86A6-A1438E32F22C}"/>
               </a:ext>
             </a:extLst>
           </p:cNvPr>
@@ -1988,7 +1989,7 @@
           <p:cNvPr id="5" name="投影片編號版面配置區 4">
             <a:extLst>
               <a:ext uri="{FF2B5EF4-FFF2-40B4-BE49-F238E27FC236}">
-                <a16:creationId xmlns:a16="http://schemas.microsoft.com/office/drawing/2014/main" xmlns="" id="{32AE6FC2-9DA5-48E7-98B1-BFDFA1991785}"/>
+                <a16:creationId xmlns="" xmlns:a16="http://schemas.microsoft.com/office/drawing/2014/main" id="{32AE6FC2-9DA5-48E7-98B1-BFDFA1991785}"/>
               </a:ext>
             </a:extLst>
           </p:cNvPr>
@@ -2047,7 +2048,7 @@
           <p:cNvPr id="2" name="日期版面配置區 1">
             <a:extLst>
               <a:ext uri="{FF2B5EF4-FFF2-40B4-BE49-F238E27FC236}">
-                <a16:creationId xmlns:a16="http://schemas.microsoft.com/office/drawing/2014/main" xmlns="" id="{987CC273-33BA-43D8-9D53-0CF0466014AD}"/>
+                <a16:creationId xmlns="" xmlns:a16="http://schemas.microsoft.com/office/drawing/2014/main" id="{987CC273-33BA-43D8-9D53-0CF0466014AD}"/>
               </a:ext>
             </a:extLst>
           </p:cNvPr>
@@ -2065,7 +2066,7 @@
           <a:p>
             <a:fld id="{455874E9-DA5F-45B4-AEAB-17A54CA9763B}" type="datetimeFigureOut">
               <a:rPr lang="zh-TW" altLang="en-US" smtClean="0"/>
-              <a:t>2022/3/13</a:t>
+              <a:t>2022/3/17</a:t>
             </a:fld>
             <a:endParaRPr lang="zh-TW" altLang="en-US"/>
           </a:p>
@@ -2076,7 +2077,7 @@
           <p:cNvPr id="3" name="頁尾版面配置區 2">
             <a:extLst>
               <a:ext uri="{FF2B5EF4-FFF2-40B4-BE49-F238E27FC236}">
-                <a16:creationId xmlns:a16="http://schemas.microsoft.com/office/drawing/2014/main" xmlns="" id="{202AA3AC-14C1-42E7-954F-9A9ED5D45D08}"/>
+                <a16:creationId xmlns="" xmlns:a16="http://schemas.microsoft.com/office/drawing/2014/main" id="{202AA3AC-14C1-42E7-954F-9A9ED5D45D08}"/>
               </a:ext>
             </a:extLst>
           </p:cNvPr>
@@ -2101,7 +2102,7 @@
           <p:cNvPr id="4" name="投影片編號版面配置區 3">
             <a:extLst>
               <a:ext uri="{FF2B5EF4-FFF2-40B4-BE49-F238E27FC236}">
-                <a16:creationId xmlns:a16="http://schemas.microsoft.com/office/drawing/2014/main" xmlns="" id="{162C3F81-FB8D-4E96-B0B1-06826CB983ED}"/>
+                <a16:creationId xmlns="" xmlns:a16="http://schemas.microsoft.com/office/drawing/2014/main" id="{162C3F81-FB8D-4E96-B0B1-06826CB983ED}"/>
               </a:ext>
             </a:extLst>
           </p:cNvPr>
@@ -2160,7 +2161,7 @@
           <p:cNvPr id="2" name="標題 1">
             <a:extLst>
               <a:ext uri="{FF2B5EF4-FFF2-40B4-BE49-F238E27FC236}">
-                <a16:creationId xmlns:a16="http://schemas.microsoft.com/office/drawing/2014/main" xmlns="" id="{77B9C532-C916-4F42-AF44-DE9B915ED47D}"/>
+                <a16:creationId xmlns="" xmlns:a16="http://schemas.microsoft.com/office/drawing/2014/main" id="{77B9C532-C916-4F42-AF44-DE9B915ED47D}"/>
               </a:ext>
             </a:extLst>
           </p:cNvPr>
@@ -2197,7 +2198,7 @@
           <p:cNvPr id="3" name="內容版面配置區 2">
             <a:extLst>
               <a:ext uri="{FF2B5EF4-FFF2-40B4-BE49-F238E27FC236}">
-                <a16:creationId xmlns:a16="http://schemas.microsoft.com/office/drawing/2014/main" xmlns="" id="{EB9E12AC-B17D-4C4B-B987-345DE423E556}"/>
+                <a16:creationId xmlns="" xmlns:a16="http://schemas.microsoft.com/office/drawing/2014/main" id="{EB9E12AC-B17D-4C4B-B987-345DE423E556}"/>
               </a:ext>
             </a:extLst>
           </p:cNvPr>
@@ -2287,7 +2288,7 @@
           <p:cNvPr id="4" name="文字版面配置區 3">
             <a:extLst>
               <a:ext uri="{FF2B5EF4-FFF2-40B4-BE49-F238E27FC236}">
-                <a16:creationId xmlns:a16="http://schemas.microsoft.com/office/drawing/2014/main" xmlns="" id="{F3B5B8EE-B131-4372-AA5D-2AF344377AF4}"/>
+                <a16:creationId xmlns="" xmlns:a16="http://schemas.microsoft.com/office/drawing/2014/main" id="{F3B5B8EE-B131-4372-AA5D-2AF344377AF4}"/>
               </a:ext>
             </a:extLst>
           </p:cNvPr>
@@ -2358,7 +2359,7 @@
           <p:cNvPr id="5" name="日期版面配置區 4">
             <a:extLst>
               <a:ext uri="{FF2B5EF4-FFF2-40B4-BE49-F238E27FC236}">
-                <a16:creationId xmlns:a16="http://schemas.microsoft.com/office/drawing/2014/main" xmlns="" id="{5893DD5D-EC6C-4D80-BC62-0198C435FC5C}"/>
+                <a16:creationId xmlns="" xmlns:a16="http://schemas.microsoft.com/office/drawing/2014/main" id="{5893DD5D-EC6C-4D80-BC62-0198C435FC5C}"/>
               </a:ext>
             </a:extLst>
           </p:cNvPr>
@@ -2376,7 +2377,7 @@
           <a:p>
             <a:fld id="{455874E9-DA5F-45B4-AEAB-17A54CA9763B}" type="datetimeFigureOut">
               <a:rPr lang="zh-TW" altLang="en-US" smtClean="0"/>
-              <a:t>2022/3/13</a:t>
+              <a:t>2022/3/17</a:t>
             </a:fld>
             <a:endParaRPr lang="zh-TW" altLang="en-US"/>
           </a:p>
@@ -2387,7 +2388,7 @@
           <p:cNvPr id="6" name="頁尾版面配置區 5">
             <a:extLst>
               <a:ext uri="{FF2B5EF4-FFF2-40B4-BE49-F238E27FC236}">
-                <a16:creationId xmlns:a16="http://schemas.microsoft.com/office/drawing/2014/main" xmlns="" id="{266DF5CB-B8C7-4F9A-88B7-F16C6BC99391}"/>
+                <a16:creationId xmlns="" xmlns:a16="http://schemas.microsoft.com/office/drawing/2014/main" id="{266DF5CB-B8C7-4F9A-88B7-F16C6BC99391}"/>
               </a:ext>
             </a:extLst>
           </p:cNvPr>
@@ -2412,7 +2413,7 @@
           <p:cNvPr id="7" name="投影片編號版面配置區 6">
             <a:extLst>
               <a:ext uri="{FF2B5EF4-FFF2-40B4-BE49-F238E27FC236}">
-                <a16:creationId xmlns:a16="http://schemas.microsoft.com/office/drawing/2014/main" xmlns="" id="{09AE36D9-7309-41EE-A405-1B6451755725}"/>
+                <a16:creationId xmlns="" xmlns:a16="http://schemas.microsoft.com/office/drawing/2014/main" id="{09AE36D9-7309-41EE-A405-1B6451755725}"/>
               </a:ext>
             </a:extLst>
           </p:cNvPr>
@@ -2471,7 +2472,7 @@
           <p:cNvPr id="2" name="標題 1">
             <a:extLst>
               <a:ext uri="{FF2B5EF4-FFF2-40B4-BE49-F238E27FC236}">
-                <a16:creationId xmlns:a16="http://schemas.microsoft.com/office/drawing/2014/main" xmlns="" id="{7E352521-0B4C-4A63-AF7E-91DC3C3152D3}"/>
+                <a16:creationId xmlns="" xmlns:a16="http://schemas.microsoft.com/office/drawing/2014/main" id="{7E352521-0B4C-4A63-AF7E-91DC3C3152D3}"/>
               </a:ext>
             </a:extLst>
           </p:cNvPr>
@@ -2508,7 +2509,7 @@
           <p:cNvPr id="3" name="圖片版面配置區 2">
             <a:extLst>
               <a:ext uri="{FF2B5EF4-FFF2-40B4-BE49-F238E27FC236}">
-                <a16:creationId xmlns:a16="http://schemas.microsoft.com/office/drawing/2014/main" xmlns="" id="{C906825C-C61A-4A16-892B-8FBB10DA3A45}"/>
+                <a16:creationId xmlns="" xmlns:a16="http://schemas.microsoft.com/office/drawing/2014/main" id="{C906825C-C61A-4A16-892B-8FBB10DA3A45}"/>
               </a:ext>
             </a:extLst>
           </p:cNvPr>
@@ -2575,7 +2576,7 @@
           <p:cNvPr id="4" name="文字版面配置區 3">
             <a:extLst>
               <a:ext uri="{FF2B5EF4-FFF2-40B4-BE49-F238E27FC236}">
-                <a16:creationId xmlns:a16="http://schemas.microsoft.com/office/drawing/2014/main" xmlns="" id="{5EBD06D9-378E-46AC-A567-0C13C7AD23E3}"/>
+                <a16:creationId xmlns="" xmlns:a16="http://schemas.microsoft.com/office/drawing/2014/main" id="{5EBD06D9-378E-46AC-A567-0C13C7AD23E3}"/>
               </a:ext>
             </a:extLst>
           </p:cNvPr>
@@ -2646,7 +2647,7 @@
           <p:cNvPr id="5" name="日期版面配置區 4">
             <a:extLst>
               <a:ext uri="{FF2B5EF4-FFF2-40B4-BE49-F238E27FC236}">
-                <a16:creationId xmlns:a16="http://schemas.microsoft.com/office/drawing/2014/main" xmlns="" id="{FCE3525E-B230-4CA6-9349-02177D303519}"/>
+                <a16:creationId xmlns="" xmlns:a16="http://schemas.microsoft.com/office/drawing/2014/main" id="{FCE3525E-B230-4CA6-9349-02177D303519}"/>
               </a:ext>
             </a:extLst>
           </p:cNvPr>
@@ -2664,7 +2665,7 @@
           <a:p>
             <a:fld id="{455874E9-DA5F-45B4-AEAB-17A54CA9763B}" type="datetimeFigureOut">
               <a:rPr lang="zh-TW" altLang="en-US" smtClean="0"/>
-              <a:t>2022/3/13</a:t>
+              <a:t>2022/3/17</a:t>
             </a:fld>
             <a:endParaRPr lang="zh-TW" altLang="en-US"/>
           </a:p>
@@ -2675,7 +2676,7 @@
           <p:cNvPr id="6" name="頁尾版面配置區 5">
             <a:extLst>
               <a:ext uri="{FF2B5EF4-FFF2-40B4-BE49-F238E27FC236}">
-                <a16:creationId xmlns:a16="http://schemas.microsoft.com/office/drawing/2014/main" xmlns="" id="{5A29260B-2D64-4CF0-8705-F27FFBBFECBD}"/>
+                <a16:creationId xmlns="" xmlns:a16="http://schemas.microsoft.com/office/drawing/2014/main" id="{5A29260B-2D64-4CF0-8705-F27FFBBFECBD}"/>
               </a:ext>
             </a:extLst>
           </p:cNvPr>
@@ -2700,7 +2701,7 @@
           <p:cNvPr id="7" name="投影片編號版面配置區 6">
             <a:extLst>
               <a:ext uri="{FF2B5EF4-FFF2-40B4-BE49-F238E27FC236}">
-                <a16:creationId xmlns:a16="http://schemas.microsoft.com/office/drawing/2014/main" xmlns="" id="{B0825E54-713B-4D5E-AFDA-10C5F3245137}"/>
+                <a16:creationId xmlns="" xmlns:a16="http://schemas.microsoft.com/office/drawing/2014/main" id="{B0825E54-713B-4D5E-AFDA-10C5F3245137}"/>
               </a:ext>
             </a:extLst>
           </p:cNvPr>
@@ -2764,7 +2765,7 @@
           <p:cNvPr id="2" name="標題版面配置區 1">
             <a:extLst>
               <a:ext uri="{FF2B5EF4-FFF2-40B4-BE49-F238E27FC236}">
-                <a16:creationId xmlns:a16="http://schemas.microsoft.com/office/drawing/2014/main" xmlns="" id="{4BC793DC-F9F1-412B-87D5-30EF72871541}"/>
+                <a16:creationId xmlns="" xmlns:a16="http://schemas.microsoft.com/office/drawing/2014/main" id="{4BC793DC-F9F1-412B-87D5-30EF72871541}"/>
               </a:ext>
             </a:extLst>
           </p:cNvPr>
@@ -2802,7 +2803,7 @@
           <p:cNvPr id="3" name="文字版面配置區 2">
             <a:extLst>
               <a:ext uri="{FF2B5EF4-FFF2-40B4-BE49-F238E27FC236}">
-                <a16:creationId xmlns:a16="http://schemas.microsoft.com/office/drawing/2014/main" xmlns="" id="{089A6857-298B-440C-8797-54662750D2F0}"/>
+                <a16:creationId xmlns="" xmlns:a16="http://schemas.microsoft.com/office/drawing/2014/main" id="{089A6857-298B-440C-8797-54662750D2F0}"/>
               </a:ext>
             </a:extLst>
           </p:cNvPr>
@@ -2869,7 +2870,7 @@
           <p:cNvPr id="4" name="日期版面配置區 3">
             <a:extLst>
               <a:ext uri="{FF2B5EF4-FFF2-40B4-BE49-F238E27FC236}">
-                <a16:creationId xmlns:a16="http://schemas.microsoft.com/office/drawing/2014/main" xmlns="" id="{FB3C33D4-F54E-4E1F-8646-B08D80F13BF2}"/>
+                <a16:creationId xmlns="" xmlns:a16="http://schemas.microsoft.com/office/drawing/2014/main" id="{FB3C33D4-F54E-4E1F-8646-B08D80F13BF2}"/>
               </a:ext>
             </a:extLst>
           </p:cNvPr>
@@ -2905,7 +2906,7 @@
           <a:p>
             <a:fld id="{455874E9-DA5F-45B4-AEAB-17A54CA9763B}" type="datetimeFigureOut">
               <a:rPr lang="zh-TW" altLang="en-US" smtClean="0"/>
-              <a:t>2022/3/13</a:t>
+              <a:t>2022/3/17</a:t>
             </a:fld>
             <a:endParaRPr lang="zh-TW" altLang="en-US"/>
           </a:p>
@@ -2916,7 +2917,7 @@
           <p:cNvPr id="5" name="頁尾版面配置區 4">
             <a:extLst>
               <a:ext uri="{FF2B5EF4-FFF2-40B4-BE49-F238E27FC236}">
-                <a16:creationId xmlns:a16="http://schemas.microsoft.com/office/drawing/2014/main" xmlns="" id="{09B166B8-9352-4828-8B4A-DD789007BF2A}"/>
+                <a16:creationId xmlns="" xmlns:a16="http://schemas.microsoft.com/office/drawing/2014/main" id="{09B166B8-9352-4828-8B4A-DD789007BF2A}"/>
               </a:ext>
             </a:extLst>
           </p:cNvPr>
@@ -2959,7 +2960,7 @@
           <p:cNvPr id="6" name="投影片編號版面配置區 5">
             <a:extLst>
               <a:ext uri="{FF2B5EF4-FFF2-40B4-BE49-F238E27FC236}">
-                <a16:creationId xmlns:a16="http://schemas.microsoft.com/office/drawing/2014/main" xmlns="" id="{4A7B7B34-ABFB-4DD7-A4F9-11057607A99B}"/>
+                <a16:creationId xmlns="" xmlns:a16="http://schemas.microsoft.com/office/drawing/2014/main" id="{4A7B7B34-ABFB-4DD7-A4F9-11057607A99B}"/>
               </a:ext>
             </a:extLst>
           </p:cNvPr>
@@ -3327,7 +3328,7 @@
           <p:cNvPr id="4" name="文字方塊 3">
             <a:extLst>
               <a:ext uri="{FF2B5EF4-FFF2-40B4-BE49-F238E27FC236}">
-                <a16:creationId xmlns:a16="http://schemas.microsoft.com/office/drawing/2014/main" xmlns="" id="{EB155881-CF2D-459A-9A29-E1CF9BE764EE}"/>
+                <a16:creationId xmlns="" xmlns:a16="http://schemas.microsoft.com/office/drawing/2014/main" id="{EB155881-CF2D-459A-9A29-E1CF9BE764EE}"/>
               </a:ext>
             </a:extLst>
           </p:cNvPr>
@@ -3370,7 +3371,7 @@
           <p:cNvPr id="10" name="圖片 9">
             <a:extLst>
               <a:ext uri="{FF2B5EF4-FFF2-40B4-BE49-F238E27FC236}">
-                <a16:creationId xmlns:a16="http://schemas.microsoft.com/office/drawing/2014/main" xmlns="" id="{85002299-01FB-4D4F-8920-7B3F05739C1A}"/>
+                <a16:creationId xmlns="" xmlns:a16="http://schemas.microsoft.com/office/drawing/2014/main" id="{85002299-01FB-4D4F-8920-7B3F05739C1A}"/>
               </a:ext>
             </a:extLst>
           </p:cNvPr>
@@ -3430,7 +3431,7 @@
           <p:cNvPr id="4" name="文字方塊 3">
             <a:extLst>
               <a:ext uri="{FF2B5EF4-FFF2-40B4-BE49-F238E27FC236}">
-                <a16:creationId xmlns:a16="http://schemas.microsoft.com/office/drawing/2014/main" xmlns="" id="{BB0A4062-3848-4CD5-9746-542723AB90C3}"/>
+                <a16:creationId xmlns="" xmlns:a16="http://schemas.microsoft.com/office/drawing/2014/main" id="{BB0A4062-3848-4CD5-9746-542723AB90C3}"/>
               </a:ext>
             </a:extLst>
           </p:cNvPr>
@@ -3469,7 +3470,7 @@
           <p:cNvPr id="6" name="文字方塊 5">
             <a:extLst>
               <a:ext uri="{FF2B5EF4-FFF2-40B4-BE49-F238E27FC236}">
-                <a16:creationId xmlns:a16="http://schemas.microsoft.com/office/drawing/2014/main" xmlns="" id="{6D069BD5-2E22-4181-901D-DC31B28529E9}"/>
+                <a16:creationId xmlns="" xmlns:a16="http://schemas.microsoft.com/office/drawing/2014/main" id="{6D069BD5-2E22-4181-901D-DC31B28529E9}"/>
               </a:ext>
             </a:extLst>
           </p:cNvPr>
@@ -3763,6 +3764,100 @@
     <p:extLst>
       <p:ext uri="{BB962C8B-B14F-4D97-AF65-F5344CB8AC3E}">
         <p14:creationId xmlns:p14="http://schemas.microsoft.com/office/powerpoint/2010/main" val="3607687961"/>
+      </p:ext>
+    </p:extLst>
+  </p:cSld>
+  <p:clrMapOvr>
+    <a:masterClrMapping/>
+  </p:clrMapOvr>
+</p:sld>
+</file>
+
+<file path=ppt/slides/slide3.xml><?xml version="1.0" encoding="utf-8"?>
+<p:sld xmlns:a="http://schemas.openxmlformats.org/drawingml/2006/main" xmlns:r="http://schemas.openxmlformats.org/officeDocument/2006/relationships" xmlns:p="http://schemas.openxmlformats.org/presentationml/2006/main">
+  <p:cSld>
+    <p:spTree>
+      <p:nvGrpSpPr>
+        <p:cNvPr id="1" name=""/>
+        <p:cNvGrpSpPr/>
+        <p:nvPr/>
+      </p:nvGrpSpPr>
+      <p:grpSpPr>
+        <a:xfrm>
+          <a:off x="0" y="0"/>
+          <a:ext cx="0" cy="0"/>
+          <a:chOff x="0" y="0"/>
+          <a:chExt cx="0" cy="0"/>
+        </a:xfrm>
+      </p:grpSpPr>
+      <p:pic>
+        <p:nvPicPr>
+          <p:cNvPr id="4" name="Picture 2"/>
+          <p:cNvPicPr>
+            <a:picLocks noChangeAspect="1" noChangeArrowheads="1"/>
+          </p:cNvPicPr>
+          <p:nvPr/>
+        </p:nvPicPr>
+        <p:blipFill>
+          <a:blip r:embed="rId2">
+            <a:extLst>
+              <a:ext uri="{28A0092B-C50C-407E-A947-70E740481C1C}">
+                <a14:useLocalDpi xmlns:a14="http://schemas.microsoft.com/office/drawing/2010/main" val="0"/>
+              </a:ext>
+            </a:extLst>
+          </a:blip>
+          <a:srcRect/>
+          <a:stretch>
+            <a:fillRect/>
+          </a:stretch>
+        </p:blipFill>
+        <p:spPr bwMode="auto">
+          <a:xfrm>
+            <a:off x="3389068" y="791327"/>
+            <a:ext cx="8085137" cy="2162175"/>
+          </a:xfrm>
+          <a:prstGeom prst="rect">
+            <a:avLst/>
+          </a:prstGeom>
+          <a:noFill/>
+          <a:ln>
+            <a:noFill/>
+          </a:ln>
+          <a:effectLst/>
+          <a:extLst>
+            <a:ext uri="{909E8E84-426E-40DD-AFC4-6F175D3DCCD1}">
+              <a14:hiddenFill xmlns:a14="http://schemas.microsoft.com/office/drawing/2010/main">
+                <a:solidFill>
+                  <a:schemeClr val="accent1"/>
+                </a:solidFill>
+              </a14:hiddenFill>
+            </a:ext>
+            <a:ext uri="{91240B29-F687-4F45-9708-019B960494DF}">
+              <a14:hiddenLine xmlns:a14="http://schemas.microsoft.com/office/drawing/2010/main" w="9525">
+                <a:solidFill>
+                  <a:schemeClr val="tx1"/>
+                </a:solidFill>
+                <a:miter lim="800000"/>
+                <a:headEnd/>
+                <a:tailEnd/>
+              </a14:hiddenLine>
+            </a:ext>
+            <a:ext uri="{AF507438-7753-43E0-B8FC-AC1667EBCBE1}">
+              <a14:hiddenEffects xmlns:a14="http://schemas.microsoft.com/office/drawing/2010/main">
+                <a:effectLst>
+                  <a:outerShdw dist="35921" dir="2700000" algn="ctr" rotWithShape="0">
+                    <a:schemeClr val="bg2"/>
+                  </a:outerShdw>
+                </a:effectLst>
+              </a14:hiddenEffects>
+            </a:ext>
+          </a:extLst>
+        </p:spPr>
+      </p:pic>
+    </p:spTree>
+    <p:extLst>
+      <p:ext uri="{BB962C8B-B14F-4D97-AF65-F5344CB8AC3E}">
+        <p14:creationId xmlns:p14="http://schemas.microsoft.com/office/powerpoint/2010/main" val="150459426"/>
       </p:ext>
     </p:extLst>
   </p:cSld>
@@ -4061,7 +4156,7 @@
   <a:extraClrSchemeLst/>
   <a:extLst>
     <a:ext uri="{05A4C25C-085E-4340-85A3-A5531E510DB2}">
-      <thm15:themeFamily xmlns:thm15="http://schemas.microsoft.com/office/thememl/2012/main" xmlns="" name="Office Theme" id="{62F939B6-93AF-4DB8-9C6B-D6C7DFDC589F}" vid="{4A3C46E8-61CC-4603-A589-7422A47A8E4A}"/>
+      <thm15:themeFamily xmlns="" xmlns:thm15="http://schemas.microsoft.com/office/thememl/2012/main" name="Office Theme" id="{62F939B6-93AF-4DB8-9C6B-D6C7DFDC589F}" vid="{4A3C46E8-61CC-4603-A589-7422A47A8E4A}"/>
     </a:ext>
   </a:extLst>
 </a:theme>
